--- a/Demo Poster/Process Flow.pptx
+++ b/Demo Poster/Process Flow.pptx
@@ -2971,149 +2971,12 @@
           <a:chExt cx="0" cy="0"/>
         </a:xfrm>
       </p:grpSpPr>
-      <p:cxnSp>
-        <p:nvCxnSpPr>
-          <p:cNvPr id="95" name="Straight Arrow Connector 94">
+      <p:grpSp>
+        <p:nvGrpSpPr>
+          <p:cNvPr id="477" name="Group 476">
             <a:extLst>
               <a:ext uri="{FF2B5EF4-FFF2-40B4-BE49-F238E27FC236}">
-                <a16:creationId xmlns:a16="http://schemas.microsoft.com/office/drawing/2014/main" id="{0D62C37D-555E-4D36-BEDE-9CE7919A3A4C}"/>
-              </a:ext>
-            </a:extLst>
-          </p:cNvPr>
-          <p:cNvCxnSpPr>
-            <a:cxnSpLocks/>
-          </p:cNvCxnSpPr>
-          <p:nvPr/>
-        </p:nvCxnSpPr>
-        <p:spPr>
-          <a:xfrm>
-            <a:off x="1599549" y="5124579"/>
-            <a:ext cx="664681" cy="0"/>
-          </a:xfrm>
-          <a:prstGeom prst="straightConnector1">
-            <a:avLst/>
-          </a:prstGeom>
-          <a:ln w="28575">
-            <a:solidFill>
-              <a:schemeClr val="tx1"/>
-            </a:solidFill>
-            <a:prstDash val="sysDot"/>
-            <a:tailEnd type="triangle"/>
-          </a:ln>
-        </p:spPr>
-        <p:style>
-          <a:lnRef idx="1">
-            <a:schemeClr val="accent1"/>
-          </a:lnRef>
-          <a:fillRef idx="0">
-            <a:schemeClr val="accent1"/>
-          </a:fillRef>
-          <a:effectRef idx="0">
-            <a:schemeClr val="accent1"/>
-          </a:effectRef>
-          <a:fontRef idx="minor">
-            <a:schemeClr val="tx1"/>
-          </a:fontRef>
-        </p:style>
-      </p:cxnSp>
-      <p:cxnSp>
-        <p:nvCxnSpPr>
-          <p:cNvPr id="345" name="Straight Arrow Connector 344">
-            <a:extLst>
-              <a:ext uri="{FF2B5EF4-FFF2-40B4-BE49-F238E27FC236}">
-                <a16:creationId xmlns:a16="http://schemas.microsoft.com/office/drawing/2014/main" id="{E5BFB2EC-DDF5-48C8-A272-10E0F720BF38}"/>
-              </a:ext>
-            </a:extLst>
-          </p:cNvPr>
-          <p:cNvCxnSpPr>
-            <a:cxnSpLocks/>
-            <a:endCxn id="5" idx="1"/>
-          </p:cNvCxnSpPr>
-          <p:nvPr/>
-        </p:nvCxnSpPr>
-        <p:spPr>
-          <a:xfrm>
-            <a:off x="255360" y="7230761"/>
-            <a:ext cx="792128" cy="0"/>
-          </a:xfrm>
-          <a:prstGeom prst="straightConnector1">
-            <a:avLst/>
-          </a:prstGeom>
-          <a:ln w="28575">
-            <a:solidFill>
-              <a:schemeClr val="tx1"/>
-            </a:solidFill>
-            <a:prstDash val="sysDot"/>
-            <a:tailEnd type="triangle"/>
-          </a:ln>
-        </p:spPr>
-        <p:style>
-          <a:lnRef idx="1">
-            <a:schemeClr val="accent1"/>
-          </a:lnRef>
-          <a:fillRef idx="0">
-            <a:schemeClr val="accent1"/>
-          </a:fillRef>
-          <a:effectRef idx="0">
-            <a:schemeClr val="accent1"/>
-          </a:effectRef>
-          <a:fontRef idx="minor">
-            <a:schemeClr val="tx1"/>
-          </a:fontRef>
-        </p:style>
-      </p:cxnSp>
-      <p:cxnSp>
-        <p:nvCxnSpPr>
-          <p:cNvPr id="216" name="Straight Arrow Connector 215">
-            <a:extLst>
-              <a:ext uri="{FF2B5EF4-FFF2-40B4-BE49-F238E27FC236}">
-                <a16:creationId xmlns:a16="http://schemas.microsoft.com/office/drawing/2014/main" id="{FDB81036-94FD-4DB2-B503-18880D4F2DDD}"/>
-              </a:ext>
-            </a:extLst>
-          </p:cNvPr>
-          <p:cNvCxnSpPr>
-            <a:cxnSpLocks/>
-            <a:endCxn id="79" idx="1"/>
-          </p:cNvCxnSpPr>
-          <p:nvPr/>
-        </p:nvCxnSpPr>
-        <p:spPr>
-          <a:xfrm>
-            <a:off x="583286" y="5124579"/>
-            <a:ext cx="465128" cy="0"/>
-          </a:xfrm>
-          <a:prstGeom prst="straightConnector1">
-            <a:avLst/>
-          </a:prstGeom>
-          <a:ln w="28575">
-            <a:solidFill>
-              <a:schemeClr val="tx1"/>
-            </a:solidFill>
-            <a:prstDash val="sysDot"/>
-            <a:tailEnd type="triangle"/>
-          </a:ln>
-        </p:spPr>
-        <p:style>
-          <a:lnRef idx="1">
-            <a:schemeClr val="accent1"/>
-          </a:lnRef>
-          <a:fillRef idx="0">
-            <a:schemeClr val="accent1"/>
-          </a:fillRef>
-          <a:effectRef idx="0">
-            <a:schemeClr val="accent1"/>
-          </a:effectRef>
-          <a:fontRef idx="minor">
-            <a:schemeClr val="tx1"/>
-          </a:fontRef>
-        </p:style>
-      </p:cxnSp>
-      <p:grpSp>
-        <p:nvGrpSpPr>
-          <p:cNvPr id="329" name="Group 328">
-            <a:extLst>
-              <a:ext uri="{FF2B5EF4-FFF2-40B4-BE49-F238E27FC236}">
-                <a16:creationId xmlns:a16="http://schemas.microsoft.com/office/drawing/2014/main" id="{C5216970-AFFF-4135-80BD-41562E60F57D}"/>
+                <a16:creationId xmlns:a16="http://schemas.microsoft.com/office/drawing/2014/main" id="{47DF2B59-C77B-42F3-B578-6FA10DEC16A3}"/>
               </a:ext>
             </a:extLst>
           </p:cNvPr>
@@ -3122,18 +2985,18 @@
         </p:nvGrpSpPr>
         <p:grpSpPr>
           <a:xfrm>
-            <a:off x="1047488" y="4371238"/>
-            <a:ext cx="160447" cy="320894"/>
-            <a:chOff x="1074704" y="4381500"/>
-            <a:chExt cx="101760" cy="203520"/>
+            <a:off x="-22489" y="2867513"/>
+            <a:ext cx="3371880" cy="4789000"/>
+            <a:chOff x="-22489" y="2679329"/>
+            <a:chExt cx="3371880" cy="4789000"/>
           </a:xfrm>
         </p:grpSpPr>
         <p:sp>
           <p:nvSpPr>
-            <p:cNvPr id="327" name="Rectangle 326">
+            <p:cNvPr id="475" name="Rectangle 474">
               <a:extLst>
                 <a:ext uri="{FF2B5EF4-FFF2-40B4-BE49-F238E27FC236}">
-                  <a16:creationId xmlns:a16="http://schemas.microsoft.com/office/drawing/2014/main" id="{E8F556C7-CCB5-453A-9097-31210060B3EE}"/>
+                  <a16:creationId xmlns:a16="http://schemas.microsoft.com/office/drawing/2014/main" id="{FF3A85B5-595C-4918-8609-187175CA3D7A}"/>
                 </a:ext>
               </a:extLst>
             </p:cNvPr>
@@ -3142,8 +3005,8 @@
           </p:nvSpPr>
           <p:spPr>
             <a:xfrm>
-              <a:off x="1074704" y="4381500"/>
-              <a:ext cx="101760" cy="101760"/>
+              <a:off x="717814" y="4952972"/>
+              <a:ext cx="148046" cy="163260"/>
             </a:xfrm>
             <a:prstGeom prst="rect">
               <a:avLst/>
@@ -3176,10 +3039,10 @@
         </p:sp>
         <p:sp>
           <p:nvSpPr>
-            <p:cNvPr id="198" name="Rectangle 197">
+            <p:cNvPr id="470" name="Rectangle 469">
               <a:extLst>
                 <a:ext uri="{FF2B5EF4-FFF2-40B4-BE49-F238E27FC236}">
-                  <a16:creationId xmlns:a16="http://schemas.microsoft.com/office/drawing/2014/main" id="{4807D126-43E2-40F3-9110-CD8A69416C9D}"/>
+                  <a16:creationId xmlns:a16="http://schemas.microsoft.com/office/drawing/2014/main" id="{A35C26F5-1B4F-41BC-83A4-7E246671EA42}"/>
                 </a:ext>
               </a:extLst>
             </p:cNvPr>
@@ -3188,8 +3051,8 @@
           </p:nvSpPr>
           <p:spPr>
             <a:xfrm>
-              <a:off x="1074704" y="4483260"/>
-              <a:ext cx="101760" cy="101760"/>
+              <a:off x="2706931" y="4209581"/>
+              <a:ext cx="128022" cy="128022"/>
             </a:xfrm>
             <a:prstGeom prst="rect">
               <a:avLst/>
@@ -3220,33 +3083,59 @@
             </a:p>
           </p:txBody>
         </p:sp>
-      </p:grpSp>
-      <p:grpSp>
-        <p:nvGrpSpPr>
-          <p:cNvPr id="207" name="Group 206">
-            <a:extLst>
-              <a:ext uri="{FF2B5EF4-FFF2-40B4-BE49-F238E27FC236}">
-                <a16:creationId xmlns:a16="http://schemas.microsoft.com/office/drawing/2014/main" id="{3C45CD40-6958-408B-93A9-414276A27645}"/>
-              </a:ext>
-            </a:extLst>
-          </p:cNvPr>
-          <p:cNvGrpSpPr/>
-          <p:nvPr/>
-        </p:nvGrpSpPr>
-        <p:grpSpPr>
-          <a:xfrm>
-            <a:off x="1047488" y="6444926"/>
-            <a:ext cx="160447" cy="320894"/>
-            <a:chOff x="1074704" y="4381500"/>
-            <a:chExt cx="101760" cy="203520"/>
-          </a:xfrm>
-        </p:grpSpPr>
+        <p:cxnSp>
+          <p:nvCxnSpPr>
+            <p:cNvPr id="93" name="Connector: Elbow 92">
+              <a:extLst>
+                <a:ext uri="{FF2B5EF4-FFF2-40B4-BE49-F238E27FC236}">
+                  <a16:creationId xmlns:a16="http://schemas.microsoft.com/office/drawing/2014/main" id="{B3DA2E41-A8C4-491A-B9FE-840BFB7A63D5}"/>
+                </a:ext>
+              </a:extLst>
+            </p:cNvPr>
+            <p:cNvCxnSpPr>
+              <a:cxnSpLocks/>
+              <a:stCxn id="5" idx="3"/>
+              <a:endCxn id="128" idx="2"/>
+            </p:cNvCxnSpPr>
+            <p:nvPr/>
+          </p:nvCxnSpPr>
+          <p:spPr>
+            <a:xfrm flipV="1">
+              <a:off x="2105888" y="5272201"/>
+              <a:ext cx="665054" cy="1958560"/>
+            </a:xfrm>
+            <a:prstGeom prst="bentConnector2">
+              <a:avLst/>
+            </a:prstGeom>
+            <a:ln w="12700">
+              <a:solidFill>
+                <a:schemeClr val="tx1"/>
+              </a:solidFill>
+              <a:prstDash val="sysDot"/>
+              <a:tailEnd type="triangle"/>
+            </a:ln>
+          </p:spPr>
+          <p:style>
+            <a:lnRef idx="1">
+              <a:schemeClr val="accent1"/>
+            </a:lnRef>
+            <a:fillRef idx="0">
+              <a:schemeClr val="accent1"/>
+            </a:fillRef>
+            <a:effectRef idx="0">
+              <a:schemeClr val="accent1"/>
+            </a:effectRef>
+            <a:fontRef idx="minor">
+              <a:schemeClr val="tx1"/>
+            </a:fontRef>
+          </p:style>
+        </p:cxnSp>
         <p:sp>
           <p:nvSpPr>
-            <p:cNvPr id="208" name="Rectangle 207">
+            <p:cNvPr id="2" name="Rectangle 1">
               <a:extLst>
                 <a:ext uri="{FF2B5EF4-FFF2-40B4-BE49-F238E27FC236}">
-                  <a16:creationId xmlns:a16="http://schemas.microsoft.com/office/drawing/2014/main" id="{9DBB6D06-B73E-4995-B7E6-A85DA229E4B5}"/>
+                  <a16:creationId xmlns:a16="http://schemas.microsoft.com/office/drawing/2014/main" id="{5647DC7F-07FC-4EAB-88DF-5C18BDBBD6D1}"/>
                 </a:ext>
               </a:extLst>
             </p:cNvPr>
@@ -3255,12 +3144,18 @@
           </p:nvSpPr>
           <p:spPr>
             <a:xfrm>
-              <a:off x="1074704" y="4381500"/>
-              <a:ext cx="101760" cy="101760"/>
+              <a:off x="2616329" y="5688323"/>
+              <a:ext cx="229060" cy="161460"/>
             </a:xfrm>
             <a:prstGeom prst="rect">
               <a:avLst/>
             </a:prstGeom>
+            <a:solidFill>
+              <a:schemeClr val="bg1"/>
+            </a:solidFill>
+            <a:ln>
+              <a:noFill/>
+            </a:ln>
           </p:spPr>
           <p:style>
             <a:lnRef idx="2">
@@ -3279,1099 +3174,158 @@
             </a:fontRef>
           </p:style>
           <p:txBody>
-            <a:bodyPr rtlCol="0" anchor="ctr"/>
+            <a:bodyPr rtlCol="0" anchor="ctr" anchorCtr="1"/>
             <a:lstStyle/>
             <a:p>
               <a:pPr algn="ctr"/>
-              <a:endParaRPr lang="en-AU"/>
+              <a:endParaRPr lang="en-AU" sz="1400"/>
             </a:p>
           </p:txBody>
         </p:sp>
-        <p:sp>
-          <p:nvSpPr>
-            <p:cNvPr id="209" name="Rectangle 208">
+        <p:cxnSp>
+          <p:nvCxnSpPr>
+            <p:cNvPr id="95" name="Straight Arrow Connector 94">
               <a:extLst>
                 <a:ext uri="{FF2B5EF4-FFF2-40B4-BE49-F238E27FC236}">
-                  <a16:creationId xmlns:a16="http://schemas.microsoft.com/office/drawing/2014/main" id="{47F1977B-F243-4B5C-8FF4-8ADA8227A19C}"/>
+                  <a16:creationId xmlns:a16="http://schemas.microsoft.com/office/drawing/2014/main" id="{0D62C37D-555E-4D36-BEDE-9CE7919A3A4C}"/>
                 </a:ext>
               </a:extLst>
             </p:cNvPr>
-            <p:cNvSpPr/>
+            <p:cNvCxnSpPr>
+              <a:cxnSpLocks/>
+            </p:cNvCxnSpPr>
             <p:nvPr/>
-          </p:nvSpPr>
+          </p:nvCxnSpPr>
           <p:spPr>
             <a:xfrm>
-              <a:off x="1074704" y="4483260"/>
-              <a:ext cx="101760" cy="101760"/>
+              <a:off x="1599549" y="5124579"/>
+              <a:ext cx="664681" cy="0"/>
             </a:xfrm>
-            <a:prstGeom prst="rect">
+            <a:prstGeom prst="straightConnector1">
               <a:avLst/>
             </a:prstGeom>
+            <a:ln w="12700">
+              <a:solidFill>
+                <a:schemeClr val="tx1"/>
+              </a:solidFill>
+              <a:prstDash val="sysDot"/>
+              <a:tailEnd type="triangle"/>
+            </a:ln>
           </p:spPr>
           <p:style>
-            <a:lnRef idx="2">
-              <a:schemeClr val="accent1">
-                <a:shade val="50000"/>
-              </a:schemeClr>
+            <a:lnRef idx="1">
+              <a:schemeClr val="accent1"/>
             </a:lnRef>
-            <a:fillRef idx="1">
+            <a:fillRef idx="0">
               <a:schemeClr val="accent1"/>
             </a:fillRef>
             <a:effectRef idx="0">
               <a:schemeClr val="accent1"/>
             </a:effectRef>
             <a:fontRef idx="minor">
-              <a:schemeClr val="lt1"/>
+              <a:schemeClr val="tx1"/>
             </a:fontRef>
           </p:style>
-          <p:txBody>
-            <a:bodyPr rtlCol="0" anchor="ctr"/>
-            <a:lstStyle/>
-            <a:p>
-              <a:pPr algn="ctr"/>
-              <a:endParaRPr lang="en-AU"/>
-            </a:p>
-          </p:txBody>
-        </p:sp>
-      </p:grpSp>
-      <p:sp>
-        <p:nvSpPr>
-          <p:cNvPr id="5" name="Flowchart: Process 4">
-            <a:extLst>
-              <a:ext uri="{FF2B5EF4-FFF2-40B4-BE49-F238E27FC236}">
-                <a16:creationId xmlns:a16="http://schemas.microsoft.com/office/drawing/2014/main" id="{CD49D14D-19E7-47B3-880F-6A61ACFC20BE}"/>
-              </a:ext>
-            </a:extLst>
-          </p:cNvPr>
-          <p:cNvSpPr/>
-          <p:nvPr/>
-        </p:nvSpPr>
-        <p:spPr>
-          <a:xfrm>
-            <a:off x="1047488" y="7025561"/>
-            <a:ext cx="1058400" cy="410400"/>
-          </a:xfrm>
-          <a:prstGeom prst="flowChartProcess">
-            <a:avLst/>
-          </a:prstGeom>
-          <a:ln w="28575"/>
-        </p:spPr>
-        <p:style>
-          <a:lnRef idx="2">
-            <a:schemeClr val="accent1"/>
-          </a:lnRef>
-          <a:fillRef idx="1">
-            <a:schemeClr val="lt1"/>
-          </a:fillRef>
-          <a:effectRef idx="0">
-            <a:schemeClr val="accent1"/>
-          </a:effectRef>
-          <a:fontRef idx="minor">
-            <a:schemeClr val="dk1"/>
-          </a:fontRef>
-        </p:style>
-        <p:txBody>
-          <a:bodyPr lIns="0" tIns="0" rIns="0" bIns="0" rtlCol="0" anchor="ctr"/>
-          <a:lstStyle/>
-          <a:p>
-            <a:pPr lvl="0" algn="ctr"/>
-            <a:r>
-              <a:rPr lang="en-AU" sz="1200" dirty="0">
-                <a:solidFill>
-                  <a:schemeClr val="tx1"/>
-                </a:solidFill>
-                <a:latin typeface="Helvetica Neue"/>
-              </a:rPr>
-              <a:t>Store Torque Messages</a:t>
-            </a:r>
-          </a:p>
-        </p:txBody>
-      </p:sp>
-      <p:sp>
-        <p:nvSpPr>
-          <p:cNvPr id="76" name="Flowchart: Process 75">
-            <a:extLst>
-              <a:ext uri="{FF2B5EF4-FFF2-40B4-BE49-F238E27FC236}">
-                <a16:creationId xmlns:a16="http://schemas.microsoft.com/office/drawing/2014/main" id="{D5A80E50-DA12-4654-AC9C-32AC0626D91D}"/>
-              </a:ext>
-            </a:extLst>
-          </p:cNvPr>
-          <p:cNvSpPr/>
-          <p:nvPr/>
-        </p:nvSpPr>
-        <p:spPr>
-          <a:xfrm>
-            <a:off x="1047488" y="3387168"/>
-            <a:ext cx="1058400" cy="301753"/>
-          </a:xfrm>
-          <a:prstGeom prst="flowChartProcess">
-            <a:avLst/>
-          </a:prstGeom>
-          <a:ln w="28575"/>
-        </p:spPr>
-        <p:style>
-          <a:lnRef idx="2">
-            <a:schemeClr val="accent1"/>
-          </a:lnRef>
-          <a:fillRef idx="1">
-            <a:schemeClr val="lt1"/>
-          </a:fillRef>
-          <a:effectRef idx="0">
-            <a:schemeClr val="accent1"/>
-          </a:effectRef>
-          <a:fontRef idx="minor">
-            <a:schemeClr val="dk1"/>
-          </a:fontRef>
-        </p:style>
-        <p:txBody>
-          <a:bodyPr lIns="0" tIns="0" rIns="0" bIns="0" rtlCol="0" anchor="ctr"/>
-          <a:lstStyle/>
-          <a:p>
-            <a:pPr lvl="0" algn="ctr"/>
-            <a:r>
-              <a:rPr lang="en-AU" sz="1200" dirty="0">
-                <a:solidFill>
-                  <a:schemeClr val="tx1"/>
-                </a:solidFill>
-                <a:latin typeface="Helvetica Neue"/>
-              </a:rPr>
-              <a:t>Initialise</a:t>
-            </a:r>
-          </a:p>
-        </p:txBody>
-      </p:sp>
-      <p:sp>
-        <p:nvSpPr>
-          <p:cNvPr id="77" name="Flowchart: Terminator 76">
-            <a:extLst>
-              <a:ext uri="{FF2B5EF4-FFF2-40B4-BE49-F238E27FC236}">
-                <a16:creationId xmlns:a16="http://schemas.microsoft.com/office/drawing/2014/main" id="{27013C69-7DF9-44AE-8EE1-88A72C7EFADE}"/>
-              </a:ext>
-            </a:extLst>
-          </p:cNvPr>
-          <p:cNvSpPr/>
-          <p:nvPr/>
-        </p:nvSpPr>
-        <p:spPr>
-          <a:xfrm>
-            <a:off x="1047488" y="2966980"/>
-            <a:ext cx="1058400" cy="301752"/>
-          </a:xfrm>
-          <a:prstGeom prst="flowChartTerminator">
-            <a:avLst/>
-          </a:prstGeom>
-          <a:solidFill>
-            <a:schemeClr val="bg1"/>
-          </a:solidFill>
-          <a:ln w="28575">
-            <a:solidFill>
+        </p:cxnSp>
+        <p:cxnSp>
+          <p:nvCxnSpPr>
+            <p:cNvPr id="345" name="Straight Arrow Connector 344">
+              <a:extLst>
+                <a:ext uri="{FF2B5EF4-FFF2-40B4-BE49-F238E27FC236}">
+                  <a16:creationId xmlns:a16="http://schemas.microsoft.com/office/drawing/2014/main" id="{E5BFB2EC-DDF5-48C8-A272-10E0F720BF38}"/>
+                </a:ext>
+              </a:extLst>
+            </p:cNvPr>
+            <p:cNvCxnSpPr>
+              <a:cxnSpLocks/>
+              <a:endCxn id="5" idx="1"/>
+            </p:cNvCxnSpPr>
+            <p:nvPr/>
+          </p:nvCxnSpPr>
+          <p:spPr>
+            <a:xfrm>
+              <a:off x="255360" y="7230761"/>
+              <a:ext cx="792128" cy="0"/>
+            </a:xfrm>
+            <a:prstGeom prst="straightConnector1">
+              <a:avLst/>
+            </a:prstGeom>
+            <a:ln w="12700">
+              <a:solidFill>
+                <a:schemeClr val="tx1"/>
+              </a:solidFill>
+              <a:prstDash val="sysDot"/>
+              <a:tailEnd type="triangle"/>
+            </a:ln>
+          </p:spPr>
+          <p:style>
+            <a:lnRef idx="1">
+              <a:schemeClr val="accent1"/>
+            </a:lnRef>
+            <a:fillRef idx="0">
+              <a:schemeClr val="accent1"/>
+            </a:fillRef>
+            <a:effectRef idx="0">
+              <a:schemeClr val="accent1"/>
+            </a:effectRef>
+            <a:fontRef idx="minor">
               <a:schemeClr val="tx1"/>
-            </a:solidFill>
-          </a:ln>
-        </p:spPr>
-        <p:style>
-          <a:lnRef idx="2">
-            <a:schemeClr val="accent1">
-              <a:shade val="50000"/>
-            </a:schemeClr>
-          </a:lnRef>
-          <a:fillRef idx="1">
-            <a:schemeClr val="accent1"/>
-          </a:fillRef>
-          <a:effectRef idx="0">
-            <a:schemeClr val="accent1"/>
-          </a:effectRef>
-          <a:fontRef idx="minor">
-            <a:schemeClr val="lt1"/>
-          </a:fontRef>
-        </p:style>
-        <p:txBody>
-          <a:bodyPr lIns="0" tIns="0" rIns="0" bIns="0" rtlCol="0" anchor="ctr"/>
-          <a:lstStyle/>
-          <a:p>
-            <a:pPr lvl="0" algn="ctr"/>
-            <a:r>
-              <a:rPr lang="en-AU" sz="1200" dirty="0">
-                <a:solidFill>
-                  <a:schemeClr val="tx1"/>
-                </a:solidFill>
-                <a:latin typeface="Helvetica Neue"/>
-              </a:rPr>
-              <a:t>Start</a:t>
-            </a:r>
-          </a:p>
-        </p:txBody>
-      </p:sp>
-      <p:sp>
-        <p:nvSpPr>
-          <p:cNvPr id="78" name="Flowchart: Process 77">
-            <a:extLst>
-              <a:ext uri="{FF2B5EF4-FFF2-40B4-BE49-F238E27FC236}">
-                <a16:creationId xmlns:a16="http://schemas.microsoft.com/office/drawing/2014/main" id="{A987F974-D922-4532-8200-6449E2B7EFAB}"/>
-              </a:ext>
-            </a:extLst>
-          </p:cNvPr>
-          <p:cNvSpPr/>
-          <p:nvPr/>
-        </p:nvSpPr>
-        <p:spPr>
-          <a:xfrm>
-            <a:off x="1047488" y="3808388"/>
-            <a:ext cx="1058400" cy="302400"/>
-          </a:xfrm>
-          <a:prstGeom prst="flowChartProcess">
-            <a:avLst/>
-          </a:prstGeom>
-          <a:ln w="28575"/>
-        </p:spPr>
-        <p:style>
-          <a:lnRef idx="2">
-            <a:schemeClr val="accent1"/>
-          </a:lnRef>
-          <a:fillRef idx="1">
-            <a:schemeClr val="lt1"/>
-          </a:fillRef>
-          <a:effectRef idx="0">
-            <a:schemeClr val="accent1"/>
-          </a:effectRef>
-          <a:fontRef idx="minor">
-            <a:schemeClr val="dk1"/>
-          </a:fontRef>
-        </p:style>
-        <p:txBody>
-          <a:bodyPr lIns="0" tIns="0" rIns="0" bIns="0" rtlCol="0" anchor="ctr"/>
-          <a:lstStyle/>
-          <a:p>
-            <a:pPr lvl="0" algn="ctr"/>
-            <a:r>
-              <a:rPr lang="en-AU" sz="1200" dirty="0">
-                <a:solidFill>
-                  <a:schemeClr val="tx1"/>
-                </a:solidFill>
-                <a:latin typeface="Helvetica Neue"/>
-              </a:rPr>
-              <a:t>Main</a:t>
-            </a:r>
-          </a:p>
-        </p:txBody>
-      </p:sp>
-      <p:sp>
-        <p:nvSpPr>
-          <p:cNvPr id="79" name="Flowchart: Process 78">
-            <a:extLst>
-              <a:ext uri="{FF2B5EF4-FFF2-40B4-BE49-F238E27FC236}">
-                <a16:creationId xmlns:a16="http://schemas.microsoft.com/office/drawing/2014/main" id="{960B994A-5B14-4251-8159-0FD4158513FE}"/>
-              </a:ext>
-            </a:extLst>
-          </p:cNvPr>
-          <p:cNvSpPr/>
-          <p:nvPr/>
-        </p:nvSpPr>
-        <p:spPr>
-          <a:xfrm>
-            <a:off x="1048414" y="4919716"/>
-            <a:ext cx="1056548" cy="409726"/>
-          </a:xfrm>
-          <a:prstGeom prst="flowChartProcess">
-            <a:avLst/>
-          </a:prstGeom>
-          <a:ln w="28575"/>
-        </p:spPr>
-        <p:style>
-          <a:lnRef idx="2">
-            <a:schemeClr val="accent1"/>
-          </a:lnRef>
-          <a:fillRef idx="1">
-            <a:schemeClr val="lt1"/>
-          </a:fillRef>
-          <a:effectRef idx="0">
-            <a:schemeClr val="accent1"/>
-          </a:effectRef>
-          <a:fontRef idx="minor">
-            <a:schemeClr val="dk1"/>
-          </a:fontRef>
-        </p:style>
-        <p:txBody>
-          <a:bodyPr lIns="0" tIns="0" rIns="0" bIns="0" rtlCol="0" anchor="ctr"/>
-          <a:lstStyle/>
-          <a:p>
-            <a:pPr lvl="0" algn="ctr"/>
-            <a:r>
-              <a:rPr lang="en-AU" sz="1200" dirty="0">
-                <a:solidFill>
-                  <a:schemeClr val="tx1"/>
-                </a:solidFill>
-                <a:latin typeface="Helvetica Neue"/>
-              </a:rPr>
-              <a:t>Store Angle Messages</a:t>
-            </a:r>
-          </a:p>
-        </p:txBody>
-      </p:sp>
-      <p:sp>
-        <p:nvSpPr>
-          <p:cNvPr id="80" name="Flowchart: Process 79">
-            <a:extLst>
-              <a:ext uri="{FF2B5EF4-FFF2-40B4-BE49-F238E27FC236}">
-                <a16:creationId xmlns:a16="http://schemas.microsoft.com/office/drawing/2014/main" id="{4DE42798-FA4B-4B1D-BB6B-E2AB42B0DC6D}"/>
-              </a:ext>
-            </a:extLst>
-          </p:cNvPr>
-          <p:cNvSpPr/>
-          <p:nvPr/>
-        </p:nvSpPr>
-        <p:spPr>
-          <a:xfrm>
-            <a:off x="1047488" y="4253373"/>
-            <a:ext cx="1058400" cy="556624"/>
-          </a:xfrm>
-          <a:prstGeom prst="flowChartProcess">
-            <a:avLst/>
-          </a:prstGeom>
-          <a:ln w="28575"/>
-        </p:spPr>
-        <p:style>
-          <a:lnRef idx="2">
-            <a:schemeClr val="accent1"/>
-          </a:lnRef>
-          <a:fillRef idx="1">
-            <a:schemeClr val="lt1"/>
-          </a:fillRef>
-          <a:effectRef idx="0">
-            <a:schemeClr val="accent1"/>
-          </a:effectRef>
-          <a:fontRef idx="minor">
-            <a:schemeClr val="dk1"/>
-          </a:fontRef>
-        </p:style>
-        <p:txBody>
-          <a:bodyPr lIns="0" tIns="0" rIns="0" bIns="0" rtlCol="0" anchor="ctr"/>
-          <a:lstStyle/>
-          <a:p>
-            <a:pPr lvl="0" algn="ctr"/>
-            <a:r>
-              <a:rPr lang="en-AU" sz="1200" dirty="0">
-                <a:solidFill>
-                  <a:schemeClr val="tx1"/>
-                </a:solidFill>
-                <a:latin typeface="Helvetica Neue"/>
-              </a:rPr>
-              <a:t>Update Position &amp; Load</a:t>
-            </a:r>
-          </a:p>
-        </p:txBody>
-      </p:sp>
-      <p:sp>
-        <p:nvSpPr>
-          <p:cNvPr id="82" name="Flowchart: Process 81">
-            <a:extLst>
-              <a:ext uri="{FF2B5EF4-FFF2-40B4-BE49-F238E27FC236}">
-                <a16:creationId xmlns:a16="http://schemas.microsoft.com/office/drawing/2014/main" id="{D722DE0C-7EDD-4B81-9E9A-B113F7E660E0}"/>
-              </a:ext>
-            </a:extLst>
-          </p:cNvPr>
-          <p:cNvSpPr/>
-          <p:nvPr/>
-        </p:nvSpPr>
-        <p:spPr>
-          <a:xfrm>
-            <a:off x="1047488" y="6326373"/>
-            <a:ext cx="1058400" cy="558000"/>
-          </a:xfrm>
-          <a:prstGeom prst="flowChartProcess">
-            <a:avLst/>
-          </a:prstGeom>
-          <a:ln w="28575"/>
-        </p:spPr>
-        <p:style>
-          <a:lnRef idx="2">
-            <a:schemeClr val="accent1"/>
-          </a:lnRef>
-          <a:fillRef idx="1">
-            <a:schemeClr val="lt1"/>
-          </a:fillRef>
-          <a:effectRef idx="0">
-            <a:schemeClr val="accent1"/>
-          </a:effectRef>
-          <a:fontRef idx="minor">
-            <a:schemeClr val="dk1"/>
-          </a:fontRef>
-        </p:style>
-        <p:txBody>
-          <a:bodyPr lIns="0" tIns="0" rIns="0" bIns="0" rtlCol="0" anchor="ctr"/>
-          <a:lstStyle/>
-          <a:p>
-            <a:pPr lvl="0" algn="ctr"/>
-            <a:r>
-              <a:rPr lang="en-AU" sz="1200" dirty="0">
-                <a:solidFill>
-                  <a:schemeClr val="tx1"/>
-                </a:solidFill>
-                <a:latin typeface="Helvetica Neue"/>
-              </a:rPr>
-              <a:t>Calculate Control (Torque)</a:t>
-            </a:r>
-          </a:p>
-        </p:txBody>
-      </p:sp>
-      <p:cxnSp>
-        <p:nvCxnSpPr>
-          <p:cNvPr id="14" name="Straight Arrow Connector 13">
-            <a:extLst>
-              <a:ext uri="{FF2B5EF4-FFF2-40B4-BE49-F238E27FC236}">
-                <a16:creationId xmlns:a16="http://schemas.microsoft.com/office/drawing/2014/main" id="{8A60E073-5749-470C-94A3-E23BDFA1CB98}"/>
-              </a:ext>
-            </a:extLst>
-          </p:cNvPr>
-          <p:cNvCxnSpPr>
-            <a:stCxn id="77" idx="2"/>
-            <a:endCxn id="76" idx="0"/>
-          </p:cNvCxnSpPr>
-          <p:nvPr/>
-        </p:nvCxnSpPr>
-        <p:spPr>
-          <a:xfrm>
-            <a:off x="1576688" y="3268732"/>
-            <a:ext cx="0" cy="118436"/>
-          </a:xfrm>
-          <a:prstGeom prst="straightConnector1">
-            <a:avLst/>
-          </a:prstGeom>
-          <a:ln w="28575">
-            <a:solidFill>
+            </a:fontRef>
+          </p:style>
+        </p:cxnSp>
+        <p:cxnSp>
+          <p:nvCxnSpPr>
+            <p:cNvPr id="216" name="Straight Arrow Connector 215">
+              <a:extLst>
+                <a:ext uri="{FF2B5EF4-FFF2-40B4-BE49-F238E27FC236}">
+                  <a16:creationId xmlns:a16="http://schemas.microsoft.com/office/drawing/2014/main" id="{FDB81036-94FD-4DB2-B503-18880D4F2DDD}"/>
+                </a:ext>
+              </a:extLst>
+            </p:cNvPr>
+            <p:cNvCxnSpPr>
+              <a:cxnSpLocks/>
+              <a:stCxn id="475" idx="3"/>
+              <a:endCxn id="79" idx="1"/>
+            </p:cNvCxnSpPr>
+            <p:nvPr/>
+          </p:nvCxnSpPr>
+          <p:spPr>
+            <a:xfrm>
+              <a:off x="865860" y="5034602"/>
+              <a:ext cx="182554" cy="0"/>
+            </a:xfrm>
+            <a:prstGeom prst="straightConnector1">
+              <a:avLst/>
+            </a:prstGeom>
+            <a:ln w="12700">
+              <a:solidFill>
+                <a:schemeClr val="tx1"/>
+              </a:solidFill>
+              <a:prstDash val="sysDot"/>
+              <a:tailEnd type="triangle"/>
+            </a:ln>
+          </p:spPr>
+          <p:style>
+            <a:lnRef idx="1">
+              <a:schemeClr val="accent1"/>
+            </a:lnRef>
+            <a:fillRef idx="0">
+              <a:schemeClr val="accent1"/>
+            </a:fillRef>
+            <a:effectRef idx="0">
+              <a:schemeClr val="accent1"/>
+            </a:effectRef>
+            <a:fontRef idx="minor">
               <a:schemeClr val="tx1"/>
-            </a:solidFill>
-            <a:tailEnd type="triangle"/>
-          </a:ln>
-        </p:spPr>
-        <p:style>
-          <a:lnRef idx="1">
-            <a:schemeClr val="accent1"/>
-          </a:lnRef>
-          <a:fillRef idx="0">
-            <a:schemeClr val="accent1"/>
-          </a:fillRef>
-          <a:effectRef idx="0">
-            <a:schemeClr val="accent1"/>
-          </a:effectRef>
-          <a:fontRef idx="minor">
-            <a:schemeClr val="tx1"/>
-          </a:fontRef>
-        </p:style>
-      </p:cxnSp>
-      <p:cxnSp>
-        <p:nvCxnSpPr>
-          <p:cNvPr id="16" name="Straight Arrow Connector 15">
-            <a:extLst>
-              <a:ext uri="{FF2B5EF4-FFF2-40B4-BE49-F238E27FC236}">
-                <a16:creationId xmlns:a16="http://schemas.microsoft.com/office/drawing/2014/main" id="{5A4FF4BC-9FB6-45CC-A574-120DA0FA4BFF}"/>
-              </a:ext>
-            </a:extLst>
-          </p:cNvPr>
-          <p:cNvCxnSpPr>
-            <a:stCxn id="76" idx="2"/>
-            <a:endCxn id="78" idx="0"/>
-          </p:cNvCxnSpPr>
-          <p:nvPr/>
-        </p:nvCxnSpPr>
-        <p:spPr>
-          <a:xfrm>
-            <a:off x="1576688" y="3688921"/>
-            <a:ext cx="0" cy="119467"/>
-          </a:xfrm>
-          <a:prstGeom prst="straightConnector1">
-            <a:avLst/>
-          </a:prstGeom>
-          <a:ln w="28575">
-            <a:solidFill>
-              <a:schemeClr val="tx1"/>
-            </a:solidFill>
-            <a:tailEnd type="triangle"/>
-          </a:ln>
-        </p:spPr>
-        <p:style>
-          <a:lnRef idx="1">
-            <a:schemeClr val="accent1"/>
-          </a:lnRef>
-          <a:fillRef idx="0">
-            <a:schemeClr val="accent1"/>
-          </a:fillRef>
-          <a:effectRef idx="0">
-            <a:schemeClr val="accent1"/>
-          </a:effectRef>
-          <a:fontRef idx="minor">
-            <a:schemeClr val="tx1"/>
-          </a:fontRef>
-        </p:style>
-      </p:cxnSp>
-      <p:cxnSp>
-        <p:nvCxnSpPr>
-          <p:cNvPr id="18" name="Straight Arrow Connector 17">
-            <a:extLst>
-              <a:ext uri="{FF2B5EF4-FFF2-40B4-BE49-F238E27FC236}">
-                <a16:creationId xmlns:a16="http://schemas.microsoft.com/office/drawing/2014/main" id="{9B66BB6A-5871-42D7-8E13-8A04F16B0853}"/>
-              </a:ext>
-            </a:extLst>
-          </p:cNvPr>
-          <p:cNvCxnSpPr>
-            <a:cxnSpLocks/>
-            <a:stCxn id="78" idx="2"/>
-            <a:endCxn id="80" idx="0"/>
-          </p:cNvCxnSpPr>
-          <p:nvPr/>
-        </p:nvCxnSpPr>
-        <p:spPr>
-          <a:xfrm>
-            <a:off x="1576688" y="4110788"/>
-            <a:ext cx="0" cy="142585"/>
-          </a:xfrm>
-          <a:prstGeom prst="straightConnector1">
-            <a:avLst/>
-          </a:prstGeom>
-          <a:ln w="28575">
-            <a:solidFill>
-              <a:schemeClr val="tx1"/>
-            </a:solidFill>
-            <a:tailEnd type="triangle"/>
-          </a:ln>
-        </p:spPr>
-        <p:style>
-          <a:lnRef idx="1">
-            <a:schemeClr val="accent1"/>
-          </a:lnRef>
-          <a:fillRef idx="0">
-            <a:schemeClr val="accent1"/>
-          </a:fillRef>
-          <a:effectRef idx="0">
-            <a:schemeClr val="accent1"/>
-          </a:effectRef>
-          <a:fontRef idx="minor">
-            <a:schemeClr val="tx1"/>
-          </a:fontRef>
-        </p:style>
-      </p:cxnSp>
-      <p:cxnSp>
-        <p:nvCxnSpPr>
-          <p:cNvPr id="20" name="Straight Arrow Connector 19">
-            <a:extLst>
-              <a:ext uri="{FF2B5EF4-FFF2-40B4-BE49-F238E27FC236}">
-                <a16:creationId xmlns:a16="http://schemas.microsoft.com/office/drawing/2014/main" id="{8C4EC4DD-E685-49E5-AC50-6BE88776FF60}"/>
-              </a:ext>
-            </a:extLst>
-          </p:cNvPr>
-          <p:cNvCxnSpPr>
-            <a:cxnSpLocks/>
-            <a:stCxn id="80" idx="2"/>
-            <a:endCxn id="79" idx="0"/>
-          </p:cNvCxnSpPr>
-          <p:nvPr/>
-        </p:nvCxnSpPr>
-        <p:spPr>
-          <a:xfrm>
-            <a:off x="1576688" y="4809997"/>
-            <a:ext cx="0" cy="109719"/>
-          </a:xfrm>
-          <a:prstGeom prst="straightConnector1">
-            <a:avLst/>
-          </a:prstGeom>
-          <a:ln w="28575">
-            <a:solidFill>
-              <a:schemeClr val="tx1"/>
-            </a:solidFill>
-            <a:tailEnd type="triangle"/>
-          </a:ln>
-        </p:spPr>
-        <p:style>
-          <a:lnRef idx="1">
-            <a:schemeClr val="accent1"/>
-          </a:lnRef>
-          <a:fillRef idx="0">
-            <a:schemeClr val="accent1"/>
-          </a:fillRef>
-          <a:effectRef idx="0">
-            <a:schemeClr val="accent1"/>
-          </a:effectRef>
-          <a:fontRef idx="minor">
-            <a:schemeClr val="tx1"/>
-          </a:fontRef>
-        </p:style>
-      </p:cxnSp>
-      <p:cxnSp>
-        <p:nvCxnSpPr>
-          <p:cNvPr id="25" name="Straight Arrow Connector 24">
-            <a:extLst>
-              <a:ext uri="{FF2B5EF4-FFF2-40B4-BE49-F238E27FC236}">
-                <a16:creationId xmlns:a16="http://schemas.microsoft.com/office/drawing/2014/main" id="{29D3C07A-61A8-44BA-8C5B-7212998D33F0}"/>
-              </a:ext>
-            </a:extLst>
-          </p:cNvPr>
-          <p:cNvCxnSpPr>
-            <a:cxnSpLocks/>
-            <a:stCxn id="79" idx="2"/>
-            <a:endCxn id="6" idx="0"/>
-          </p:cNvCxnSpPr>
-          <p:nvPr/>
-        </p:nvCxnSpPr>
-        <p:spPr>
-          <a:xfrm>
-            <a:off x="1576688" y="5329442"/>
-            <a:ext cx="0" cy="119304"/>
-          </a:xfrm>
-          <a:prstGeom prst="straightConnector1">
-            <a:avLst/>
-          </a:prstGeom>
-          <a:ln w="28575">
-            <a:solidFill>
-              <a:schemeClr val="tx1"/>
-            </a:solidFill>
-            <a:tailEnd type="triangle"/>
-          </a:ln>
-        </p:spPr>
-        <p:style>
-          <a:lnRef idx="1">
-            <a:schemeClr val="accent1"/>
-          </a:lnRef>
-          <a:fillRef idx="0">
-            <a:schemeClr val="accent1"/>
-          </a:fillRef>
-          <a:effectRef idx="0">
-            <a:schemeClr val="accent1"/>
-          </a:effectRef>
-          <a:fontRef idx="minor">
-            <a:schemeClr val="tx1"/>
-          </a:fontRef>
-        </p:style>
-      </p:cxnSp>
-      <p:cxnSp>
-        <p:nvCxnSpPr>
-          <p:cNvPr id="27" name="Straight Arrow Connector 26">
-            <a:extLst>
-              <a:ext uri="{FF2B5EF4-FFF2-40B4-BE49-F238E27FC236}">
-                <a16:creationId xmlns:a16="http://schemas.microsoft.com/office/drawing/2014/main" id="{0F696F9C-73F2-4D39-858D-03896C062D3F}"/>
-              </a:ext>
-            </a:extLst>
-          </p:cNvPr>
-          <p:cNvCxnSpPr>
-            <a:cxnSpLocks/>
-            <a:stCxn id="6" idx="2"/>
-            <a:endCxn id="82" idx="0"/>
-          </p:cNvCxnSpPr>
-          <p:nvPr/>
-        </p:nvCxnSpPr>
-        <p:spPr>
-          <a:xfrm>
-            <a:off x="1576688" y="6212630"/>
-            <a:ext cx="0" cy="113743"/>
-          </a:xfrm>
-          <a:prstGeom prst="straightConnector1">
-            <a:avLst/>
-          </a:prstGeom>
-          <a:ln w="28575">
-            <a:solidFill>
-              <a:schemeClr val="tx1"/>
-            </a:solidFill>
-            <a:tailEnd type="triangle"/>
-          </a:ln>
-        </p:spPr>
-        <p:style>
-          <a:lnRef idx="1">
-            <a:schemeClr val="accent1"/>
-          </a:lnRef>
-          <a:fillRef idx="0">
-            <a:schemeClr val="accent1"/>
-          </a:fillRef>
-          <a:effectRef idx="0">
-            <a:schemeClr val="accent1"/>
-          </a:effectRef>
-          <a:fontRef idx="minor">
-            <a:schemeClr val="tx1"/>
-          </a:fontRef>
-        </p:style>
-      </p:cxnSp>
-      <p:cxnSp>
-        <p:nvCxnSpPr>
-          <p:cNvPr id="29" name="Straight Arrow Connector 28">
-            <a:extLst>
-              <a:ext uri="{FF2B5EF4-FFF2-40B4-BE49-F238E27FC236}">
-                <a16:creationId xmlns:a16="http://schemas.microsoft.com/office/drawing/2014/main" id="{D3163670-C84F-4F1B-B145-8455C27F1D16}"/>
-              </a:ext>
-            </a:extLst>
-          </p:cNvPr>
-          <p:cNvCxnSpPr>
-            <a:cxnSpLocks/>
-            <a:stCxn id="82" idx="2"/>
-            <a:endCxn id="5" idx="0"/>
-          </p:cNvCxnSpPr>
-          <p:nvPr/>
-        </p:nvCxnSpPr>
-        <p:spPr>
-          <a:xfrm>
-            <a:off x="1576688" y="6884373"/>
-            <a:ext cx="0" cy="141188"/>
-          </a:xfrm>
-          <a:prstGeom prst="straightConnector1">
-            <a:avLst/>
-          </a:prstGeom>
-          <a:ln w="28575">
-            <a:solidFill>
-              <a:schemeClr val="tx1"/>
-            </a:solidFill>
-            <a:tailEnd type="triangle"/>
-          </a:ln>
-        </p:spPr>
-        <p:style>
-          <a:lnRef idx="1">
-            <a:schemeClr val="accent1"/>
-          </a:lnRef>
-          <a:fillRef idx="0">
-            <a:schemeClr val="accent1"/>
-          </a:fillRef>
-          <a:effectRef idx="0">
-            <a:schemeClr val="accent1"/>
-          </a:effectRef>
-          <a:fontRef idx="minor">
-            <a:schemeClr val="tx1"/>
-          </a:fontRef>
-        </p:style>
-      </p:cxnSp>
-      <p:sp>
-        <p:nvSpPr>
-          <p:cNvPr id="467" name="Oval 466">
-            <a:extLst>
-              <a:ext uri="{FF2B5EF4-FFF2-40B4-BE49-F238E27FC236}">
-                <a16:creationId xmlns:a16="http://schemas.microsoft.com/office/drawing/2014/main" id="{5CFC959C-CA61-45A7-A9CE-1A0E9D46C3C0}"/>
-              </a:ext>
-            </a:extLst>
-          </p:cNvPr>
-          <p:cNvSpPr/>
-          <p:nvPr/>
-        </p:nvSpPr>
-        <p:spPr>
-          <a:xfrm>
-            <a:off x="3303671" y="5807827"/>
-            <a:ext cx="45720" cy="45720"/>
-          </a:xfrm>
-          <a:prstGeom prst="ellipse">
-            <a:avLst/>
-          </a:prstGeom>
-          <a:solidFill>
-            <a:schemeClr val="tx1"/>
-          </a:solidFill>
-          <a:ln w="28575">
-            <a:solidFill>
-              <a:schemeClr val="tx1"/>
-            </a:solidFill>
-          </a:ln>
-        </p:spPr>
-        <p:style>
-          <a:lnRef idx="2">
-            <a:schemeClr val="accent1">
-              <a:shade val="50000"/>
-            </a:schemeClr>
-          </a:lnRef>
-          <a:fillRef idx="1">
-            <a:schemeClr val="accent1"/>
-          </a:fillRef>
-          <a:effectRef idx="0">
-            <a:schemeClr val="accent1"/>
-          </a:effectRef>
-          <a:fontRef idx="minor">
-            <a:schemeClr val="lt1"/>
-          </a:fontRef>
-        </p:style>
-        <p:txBody>
-          <a:bodyPr lIns="0" tIns="0" rIns="0" bIns="0" rtlCol="0" anchor="ctr"/>
-          <a:lstStyle/>
-          <a:p>
-            <a:pPr algn="ctr"/>
-            <a:endParaRPr lang="en-AU" sz="1200"/>
-          </a:p>
-        </p:txBody>
-      </p:sp>
-      <p:cxnSp>
-        <p:nvCxnSpPr>
-          <p:cNvPr id="469" name="Connector: Elbow 468">
-            <a:extLst>
-              <a:ext uri="{FF2B5EF4-FFF2-40B4-BE49-F238E27FC236}">
-                <a16:creationId xmlns:a16="http://schemas.microsoft.com/office/drawing/2014/main" id="{F8C2DEC2-7287-4BB1-84E5-26E6198F04F7}"/>
-              </a:ext>
-            </a:extLst>
-          </p:cNvPr>
-          <p:cNvCxnSpPr>
-            <a:cxnSpLocks/>
-            <a:stCxn id="5" idx="2"/>
-            <a:endCxn id="467" idx="4"/>
-          </p:cNvCxnSpPr>
-          <p:nvPr/>
-        </p:nvCxnSpPr>
-        <p:spPr>
-          <a:xfrm rot="5400000" flipH="1" flipV="1">
-            <a:off x="1660402" y="5769832"/>
-            <a:ext cx="1582414" cy="1749843"/>
-          </a:xfrm>
-          <a:prstGeom prst="bentConnector3">
-            <a:avLst>
-              <a:gd name="adj1" fmla="val -14446"/>
-            </a:avLst>
-          </a:prstGeom>
-          <a:ln w="28575">
-            <a:solidFill>
-              <a:schemeClr val="tx1"/>
-            </a:solidFill>
-            <a:headEnd type="none" w="med" len="med"/>
-            <a:tailEnd type="none" w="med" len="med"/>
-          </a:ln>
-        </p:spPr>
-        <p:style>
-          <a:lnRef idx="1">
-            <a:schemeClr val="accent1"/>
-          </a:lnRef>
-          <a:fillRef idx="0">
-            <a:schemeClr val="accent1"/>
-          </a:fillRef>
-          <a:effectRef idx="0">
-            <a:schemeClr val="accent1"/>
-          </a:effectRef>
-          <a:fontRef idx="minor">
-            <a:schemeClr val="tx1"/>
-          </a:fontRef>
-        </p:style>
-      </p:cxnSp>
-      <p:cxnSp>
-        <p:nvCxnSpPr>
-          <p:cNvPr id="471" name="Connector: Elbow 470">
-            <a:extLst>
-              <a:ext uri="{FF2B5EF4-FFF2-40B4-BE49-F238E27FC236}">
-                <a16:creationId xmlns:a16="http://schemas.microsoft.com/office/drawing/2014/main" id="{FFFFA879-36C0-481D-8920-ECD0EE6BECFF}"/>
-              </a:ext>
-            </a:extLst>
-          </p:cNvPr>
-          <p:cNvCxnSpPr>
-            <a:cxnSpLocks/>
-            <a:stCxn id="467" idx="0"/>
-            <a:endCxn id="78" idx="3"/>
-          </p:cNvCxnSpPr>
-          <p:nvPr/>
-        </p:nvCxnSpPr>
-        <p:spPr>
-          <a:xfrm rot="16200000" flipV="1">
-            <a:off x="1792091" y="4273386"/>
-            <a:ext cx="1848239" cy="1220643"/>
-          </a:xfrm>
-          <a:prstGeom prst="bentConnector2">
-            <a:avLst/>
-          </a:prstGeom>
-          <a:ln w="28575">
-            <a:solidFill>
-              <a:schemeClr val="tx1"/>
-            </a:solidFill>
-            <a:tailEnd type="triangle"/>
-          </a:ln>
-        </p:spPr>
-        <p:style>
-          <a:lnRef idx="1">
-            <a:schemeClr val="accent1"/>
-          </a:lnRef>
-          <a:fillRef idx="0">
-            <a:schemeClr val="accent1"/>
-          </a:fillRef>
-          <a:effectRef idx="0">
-            <a:schemeClr val="accent1"/>
-          </a:effectRef>
-          <a:fontRef idx="minor">
-            <a:schemeClr val="tx1"/>
-          </a:fontRef>
-        </p:style>
-      </p:cxnSp>
-      <p:cxnSp>
-        <p:nvCxnSpPr>
-          <p:cNvPr id="474" name="Straight Arrow Connector 473">
-            <a:extLst>
-              <a:ext uri="{FF2B5EF4-FFF2-40B4-BE49-F238E27FC236}">
-                <a16:creationId xmlns:a16="http://schemas.microsoft.com/office/drawing/2014/main" id="{D3555170-0379-40B0-A824-4AE36BCC5C98}"/>
-              </a:ext>
-            </a:extLst>
-          </p:cNvPr>
-          <p:cNvCxnSpPr>
-            <a:cxnSpLocks/>
-            <a:stCxn id="6" idx="3"/>
-            <a:endCxn id="467" idx="2"/>
-          </p:cNvCxnSpPr>
-          <p:nvPr/>
-        </p:nvCxnSpPr>
-        <p:spPr>
-          <a:xfrm flipV="1">
-            <a:off x="2105888" y="5830687"/>
-            <a:ext cx="1197783" cy="1"/>
-          </a:xfrm>
-          <a:prstGeom prst="straightConnector1">
-            <a:avLst/>
-          </a:prstGeom>
-          <a:ln w="28575">
-            <a:solidFill>
-              <a:schemeClr val="tx1"/>
-            </a:solidFill>
-            <a:headEnd type="none" w="med" len="med"/>
-            <a:tailEnd type="none" w="med" len="med"/>
-          </a:ln>
-        </p:spPr>
-        <p:style>
-          <a:lnRef idx="1">
-            <a:schemeClr val="accent1"/>
-          </a:lnRef>
-          <a:fillRef idx="0">
-            <a:schemeClr val="accent1"/>
-          </a:fillRef>
-          <a:effectRef idx="0">
-            <a:schemeClr val="accent1"/>
-          </a:effectRef>
-          <a:fontRef idx="minor">
-            <a:schemeClr val="tx1"/>
-          </a:fontRef>
-        </p:style>
-      </p:cxnSp>
-      <p:sp>
-        <p:nvSpPr>
-          <p:cNvPr id="479" name="Rectangle 478">
-            <a:extLst>
-              <a:ext uri="{FF2B5EF4-FFF2-40B4-BE49-F238E27FC236}">
-                <a16:creationId xmlns:a16="http://schemas.microsoft.com/office/drawing/2014/main" id="{637A894D-8FE2-45D9-860F-0BA7D2245642}"/>
-              </a:ext>
-            </a:extLst>
-          </p:cNvPr>
-          <p:cNvSpPr/>
-          <p:nvPr/>
-        </p:nvSpPr>
-        <p:spPr>
-          <a:xfrm>
-            <a:off x="1225848" y="6059317"/>
-            <a:ext cx="771890" cy="302400"/>
-          </a:xfrm>
-          <a:prstGeom prst="rect">
-            <a:avLst/>
-          </a:prstGeom>
-          <a:noFill/>
-          <a:ln w="12700">
-            <a:noFill/>
-          </a:ln>
-        </p:spPr>
-        <p:style>
-          <a:lnRef idx="2">
-            <a:schemeClr val="accent1">
-              <a:shade val="50000"/>
-            </a:schemeClr>
-          </a:lnRef>
-          <a:fillRef idx="1">
-            <a:schemeClr val="accent1"/>
-          </a:fillRef>
-          <a:effectRef idx="0">
-            <a:schemeClr val="accent1"/>
-          </a:effectRef>
-          <a:fontRef idx="minor">
-            <a:schemeClr val="lt1"/>
-          </a:fontRef>
-        </p:style>
-        <p:txBody>
-          <a:bodyPr lIns="0" tIns="0" rIns="0" bIns="0" rtlCol="0" anchor="ctr"/>
-          <a:lstStyle/>
-          <a:p>
-            <a:pPr lvl="0"/>
-            <a:r>
-              <a:rPr lang="en-AU" sz="1200" b="1" dirty="0">
-                <a:solidFill>
-                  <a:sysClr val="windowText" lastClr="000000"/>
-                </a:solidFill>
-                <a:latin typeface="Helvetica Neue"/>
-              </a:rPr>
-              <a:t>Yes</a:t>
-            </a:r>
-          </a:p>
-        </p:txBody>
-      </p:sp>
-      <p:sp>
-        <p:nvSpPr>
-          <p:cNvPr id="195" name="Rectangle 194">
-            <a:extLst>
-              <a:ext uri="{FF2B5EF4-FFF2-40B4-BE49-F238E27FC236}">
-                <a16:creationId xmlns:a16="http://schemas.microsoft.com/office/drawing/2014/main" id="{1F4997E3-D356-4B80-9EAC-303E911DB61D}"/>
-              </a:ext>
-            </a:extLst>
-          </p:cNvPr>
-          <p:cNvSpPr/>
-          <p:nvPr/>
-        </p:nvSpPr>
-        <p:spPr>
-          <a:xfrm>
-            <a:off x="2083028" y="5568375"/>
-            <a:ext cx="771890" cy="302400"/>
-          </a:xfrm>
-          <a:prstGeom prst="rect">
-            <a:avLst/>
-          </a:prstGeom>
-          <a:noFill/>
-          <a:ln w="12700">
-            <a:noFill/>
-          </a:ln>
-        </p:spPr>
-        <p:style>
-          <a:lnRef idx="2">
-            <a:schemeClr val="accent1">
-              <a:shade val="50000"/>
-            </a:schemeClr>
-          </a:lnRef>
-          <a:fillRef idx="1">
-            <a:schemeClr val="accent1"/>
-          </a:fillRef>
-          <a:effectRef idx="0">
-            <a:schemeClr val="accent1"/>
-          </a:effectRef>
-          <a:fontRef idx="minor">
-            <a:schemeClr val="lt1"/>
-          </a:fontRef>
-        </p:style>
-        <p:txBody>
-          <a:bodyPr lIns="0" tIns="0" rIns="0" bIns="0" rtlCol="0" anchor="ctr"/>
-          <a:lstStyle/>
-          <a:p>
-            <a:pPr lvl="0"/>
-            <a:r>
-              <a:rPr lang="en-AU" sz="1200" b="1" dirty="0">
-                <a:solidFill>
-                  <a:sysClr val="windowText" lastClr="000000"/>
-                </a:solidFill>
-                <a:latin typeface="Helvetica Neue"/>
-              </a:rPr>
-              <a:t>No</a:t>
-            </a:r>
-          </a:p>
-        </p:txBody>
-      </p:sp>
-      <p:grpSp>
-        <p:nvGrpSpPr>
-          <p:cNvPr id="285" name="Group 284">
-            <a:extLst>
-              <a:ext uri="{FF2B5EF4-FFF2-40B4-BE49-F238E27FC236}">
-                <a16:creationId xmlns:a16="http://schemas.microsoft.com/office/drawing/2014/main" id="{A9DAF648-B558-4B3F-8C48-51ABAF42FF91}"/>
-              </a:ext>
-            </a:extLst>
-          </p:cNvPr>
-          <p:cNvGrpSpPr/>
-          <p:nvPr/>
-        </p:nvGrpSpPr>
-        <p:grpSpPr>
-          <a:xfrm>
-            <a:off x="0" y="4919715"/>
-            <a:ext cx="865860" cy="830243"/>
-            <a:chOff x="0" y="3117751"/>
-            <a:chExt cx="865860" cy="730348"/>
-          </a:xfrm>
-        </p:grpSpPr>
+            </a:fontRef>
+          </p:style>
+        </p:cxnSp>
         <p:grpSp>
           <p:nvGrpSpPr>
-            <p:cNvPr id="191" name="Group 190">
+            <p:cNvPr id="207" name="Group 206">
               <a:extLst>
                 <a:ext uri="{FF2B5EF4-FFF2-40B4-BE49-F238E27FC236}">
-                  <a16:creationId xmlns:a16="http://schemas.microsoft.com/office/drawing/2014/main" id="{C473AC24-468B-4F06-B214-C2A5955506AB}"/>
+                  <a16:creationId xmlns:a16="http://schemas.microsoft.com/office/drawing/2014/main" id="{3C45CD40-6958-408B-93A9-414276A27645}"/>
                 </a:ext>
               </a:extLst>
             </p:cNvPr>
@@ -4380,18 +3334,18 @@
           </p:nvGrpSpPr>
           <p:grpSpPr>
             <a:xfrm>
-              <a:off x="131801" y="3703166"/>
-              <a:ext cx="602259" cy="123559"/>
-              <a:chOff x="215821" y="3703166"/>
-              <a:chExt cx="602259" cy="123559"/>
+              <a:off x="1047488" y="6444926"/>
+              <a:ext cx="160447" cy="320894"/>
+              <a:chOff x="1074704" y="4381500"/>
+              <a:chExt cx="101760" cy="203520"/>
             </a:xfrm>
           </p:grpSpPr>
           <p:sp>
             <p:nvSpPr>
-              <p:cNvPr id="190" name="Rectangle 189">
+              <p:cNvPr id="208" name="Rectangle 207">
                 <a:extLst>
                   <a:ext uri="{FF2B5EF4-FFF2-40B4-BE49-F238E27FC236}">
-                    <a16:creationId xmlns:a16="http://schemas.microsoft.com/office/drawing/2014/main" id="{4BD5F161-F290-42AA-A937-DCF134181F6C}"/>
+                    <a16:creationId xmlns:a16="http://schemas.microsoft.com/office/drawing/2014/main" id="{9DBB6D06-B73E-4995-B7E6-A85DA229E4B5}"/>
                   </a:ext>
                 </a:extLst>
               </p:cNvPr>
@@ -4400,8 +3354,8 @@
             </p:nvSpPr>
             <p:spPr>
               <a:xfrm>
-                <a:off x="215821" y="3703166"/>
-                <a:ext cx="123559" cy="123559"/>
+                <a:off x="1074704" y="4381500"/>
+                <a:ext cx="101760" cy="101760"/>
               </a:xfrm>
               <a:prstGeom prst="rect">
                 <a:avLst/>
@@ -4424,20 +3378,20 @@
               </a:fontRef>
             </p:style>
             <p:txBody>
-              <a:bodyPr lIns="0" tIns="0" rIns="0" bIns="0" rtlCol="0" anchor="ctr"/>
+              <a:bodyPr rtlCol="0" anchor="ctr" anchorCtr="1"/>
               <a:lstStyle/>
               <a:p>
                 <a:pPr algn="ctr"/>
-                <a:endParaRPr lang="en-AU" sz="1200"/>
+                <a:endParaRPr lang="en-AU" sz="1400"/>
               </a:p>
             </p:txBody>
           </p:sp>
           <p:sp>
             <p:nvSpPr>
-              <p:cNvPr id="336" name="Rectangle 335">
+              <p:cNvPr id="209" name="Rectangle 208">
                 <a:extLst>
                   <a:ext uri="{FF2B5EF4-FFF2-40B4-BE49-F238E27FC236}">
-                    <a16:creationId xmlns:a16="http://schemas.microsoft.com/office/drawing/2014/main" id="{6DD1D3D5-EA3F-4DCB-A18C-9785FF88FF90}"/>
+                    <a16:creationId xmlns:a16="http://schemas.microsoft.com/office/drawing/2014/main" id="{47F1977B-F243-4B5C-8FF4-8ADA8227A19C}"/>
                   </a:ext>
                 </a:extLst>
               </p:cNvPr>
@@ -4446,8 +3400,8 @@
             </p:nvSpPr>
             <p:spPr>
               <a:xfrm>
-                <a:off x="694521" y="3703166"/>
-                <a:ext cx="123559" cy="123559"/>
+                <a:off x="1074704" y="4483260"/>
+                <a:ext cx="101760" cy="101760"/>
               </a:xfrm>
               <a:prstGeom prst="rect">
                 <a:avLst/>
@@ -4470,21 +3424,21 @@
               </a:fontRef>
             </p:style>
             <p:txBody>
-              <a:bodyPr lIns="0" tIns="0" rIns="0" bIns="0" rtlCol="0" anchor="ctr"/>
+              <a:bodyPr rtlCol="0" anchor="ctr" anchorCtr="1"/>
               <a:lstStyle/>
               <a:p>
                 <a:pPr algn="ctr"/>
-                <a:endParaRPr lang="en-AU" sz="1200"/>
+                <a:endParaRPr lang="en-AU" sz="1400"/>
               </a:p>
             </p:txBody>
           </p:sp>
         </p:grpSp>
         <p:sp>
           <p:nvSpPr>
-            <p:cNvPr id="258" name="Flowchart: Internal Storage 257">
+            <p:cNvPr id="76" name="Flowchart: Process 75">
               <a:extLst>
                 <a:ext uri="{FF2B5EF4-FFF2-40B4-BE49-F238E27FC236}">
-                  <a16:creationId xmlns:a16="http://schemas.microsoft.com/office/drawing/2014/main" id="{087777B0-DEEB-4E43-93F6-C604859814C2}"/>
+                  <a16:creationId xmlns:a16="http://schemas.microsoft.com/office/drawing/2014/main" id="{D5A80E50-DA12-4654-AC9C-32AC0626D91D}"/>
                 </a:ext>
               </a:extLst>
             </p:cNvPr>
@@ -4493,199 +3447,51 @@
           </p:nvSpPr>
           <p:spPr>
             <a:xfrm>
-              <a:off x="0" y="3117751"/>
-              <a:ext cx="865860" cy="730348"/>
+              <a:off x="1047488" y="3143448"/>
+              <a:ext cx="1058400" cy="349212"/>
             </a:xfrm>
-            <a:prstGeom prst="flowChartInternalStorage">
+            <a:prstGeom prst="flowChartProcess">
               <a:avLst/>
             </a:prstGeom>
-            <a:ln w="28575"/>
+            <a:ln w="12700"/>
           </p:spPr>
           <p:style>
             <a:lnRef idx="2">
-              <a:schemeClr val="accent4"/>
+              <a:schemeClr val="accent1"/>
             </a:lnRef>
             <a:fillRef idx="1">
               <a:schemeClr val="lt1"/>
             </a:fillRef>
             <a:effectRef idx="0">
-              <a:schemeClr val="accent4"/>
+              <a:schemeClr val="accent1"/>
             </a:effectRef>
             <a:fontRef idx="minor">
               <a:schemeClr val="dk1"/>
             </a:fontRef>
           </p:style>
           <p:txBody>
-            <a:bodyPr lIns="0" tIns="0" rIns="0" bIns="0" rtlCol="0" anchor="ctr"/>
+            <a:bodyPr lIns="0" tIns="0" rIns="0" bIns="0" rtlCol="0" anchor="ctr" anchorCtr="1"/>
             <a:lstStyle/>
             <a:p>
               <a:pPr lvl="0" algn="ctr"/>
               <a:r>
-                <a:rPr lang="en-AU" sz="1200" dirty="0">
+                <a:rPr lang="en-AU" sz="1400" dirty="0">
                   <a:solidFill>
                     <a:schemeClr val="tx1"/>
                   </a:solidFill>
                   <a:latin typeface="Helvetica Neue"/>
                 </a:rPr>
-                <a:t>Position</a:t>
-              </a:r>
-            </a:p>
-            <a:p>
-              <a:pPr lvl="0" algn="ctr"/>
-              <a:r>
-                <a:rPr lang="en-AU" sz="1200" dirty="0">
-                  <a:solidFill>
-                    <a:schemeClr val="tx1"/>
-                  </a:solidFill>
-                  <a:latin typeface="Helvetica Neue"/>
-                </a:rPr>
-                <a:t>&amp; Load Data</a:t>
+                <a:t>Initialise</a:t>
               </a:r>
             </a:p>
           </p:txBody>
         </p:sp>
-      </p:grpSp>
-      <p:sp>
-        <p:nvSpPr>
-          <p:cNvPr id="328" name="Rectangle 327">
-            <a:extLst>
-              <a:ext uri="{FF2B5EF4-FFF2-40B4-BE49-F238E27FC236}">
-                <a16:creationId xmlns:a16="http://schemas.microsoft.com/office/drawing/2014/main" id="{1D489E7F-9A7B-4D87-980B-32641D7C6AF4}"/>
-              </a:ext>
-            </a:extLst>
-          </p:cNvPr>
-          <p:cNvSpPr/>
-          <p:nvPr/>
-        </p:nvSpPr>
-        <p:spPr>
-          <a:xfrm>
-            <a:off x="48559" y="2928103"/>
-            <a:ext cx="971394" cy="760818"/>
-          </a:xfrm>
-          <a:prstGeom prst="rect">
-            <a:avLst/>
-          </a:prstGeom>
-          <a:noFill/>
-          <a:ln w="12700">
-            <a:noFill/>
-          </a:ln>
-        </p:spPr>
-        <p:style>
-          <a:lnRef idx="2">
-            <a:schemeClr val="accent1">
-              <a:shade val="50000"/>
-            </a:schemeClr>
-          </a:lnRef>
-          <a:fillRef idx="1">
-            <a:schemeClr val="accent1"/>
-          </a:fillRef>
-          <a:effectRef idx="0">
-            <a:schemeClr val="accent1"/>
-          </a:effectRef>
-          <a:fontRef idx="minor">
-            <a:schemeClr val="lt1"/>
-          </a:fontRef>
-        </p:style>
-        <p:txBody>
-          <a:bodyPr lIns="0" tIns="0" rIns="0" bIns="0" rtlCol="0" anchor="t"/>
-          <a:lstStyle/>
-          <a:p>
-            <a:pPr lvl="0"/>
-            <a:r>
-              <a:rPr lang="en-AU" sz="1200" b="1" i="1" dirty="0">
-                <a:solidFill>
-                  <a:schemeClr val="accent2"/>
-                </a:solidFill>
-                <a:latin typeface="Helvetica Neue"/>
-              </a:rPr>
-              <a:t>Delay</a:t>
-            </a:r>
-            <a:r>
-              <a:rPr lang="en-AU" sz="1200" i="1" dirty="0">
-                <a:solidFill>
-                  <a:sysClr val="windowText" lastClr="000000"/>
-                </a:solidFill>
-                <a:latin typeface="Helvetica Neue"/>
-              </a:rPr>
-              <a:t> to initialise values before movement</a:t>
-            </a:r>
-          </a:p>
-        </p:txBody>
-      </p:sp>
-      <p:sp>
-        <p:nvSpPr>
-          <p:cNvPr id="183" name="Rectangle 182">
-            <a:extLst>
-              <a:ext uri="{FF2B5EF4-FFF2-40B4-BE49-F238E27FC236}">
-                <a16:creationId xmlns:a16="http://schemas.microsoft.com/office/drawing/2014/main" id="{89C51056-8116-47BA-B251-9EB09A2B0511}"/>
-              </a:ext>
-            </a:extLst>
-          </p:cNvPr>
-          <p:cNvSpPr/>
-          <p:nvPr/>
-        </p:nvSpPr>
-        <p:spPr>
-          <a:xfrm>
-            <a:off x="1" y="2586218"/>
-            <a:ext cx="3349390" cy="369332"/>
-          </a:xfrm>
-          <a:prstGeom prst="rect">
-            <a:avLst/>
-          </a:prstGeom>
-        </p:spPr>
-        <p:txBody>
-          <a:bodyPr wrap="square">
-            <a:spAutoFit/>
-          </a:bodyPr>
-          <a:lstStyle/>
-          <a:p>
-            <a:pPr lvl="0" defTabSz="715963" eaLnBrk="0" fontAlgn="base" hangingPunct="0">
-              <a:spcBef>
-                <a:spcPct val="20000"/>
-              </a:spcBef>
-              <a:spcAft>
-                <a:spcPct val="0"/>
-              </a:spcAft>
-            </a:pPr>
-            <a:r>
-              <a:rPr lang="en-AU" dirty="0">
-                <a:solidFill>
-                  <a:prstClr val="black"/>
-                </a:solidFill>
-                <a:latin typeface="Bodoni MT" charset="0"/>
-                <a:ea typeface="Geneva" charset="-128"/>
-              </a:rPr>
-              <a:t>Process Flow Diagram</a:t>
-            </a:r>
-          </a:p>
-        </p:txBody>
-      </p:sp>
-      <p:grpSp>
-        <p:nvGrpSpPr>
-          <p:cNvPr id="460" name="Group 459">
-            <a:extLst>
-              <a:ext uri="{FF2B5EF4-FFF2-40B4-BE49-F238E27FC236}">
-                <a16:creationId xmlns:a16="http://schemas.microsoft.com/office/drawing/2014/main" id="{4F816127-01F9-4E8B-AE02-980D809EC3B4}"/>
-              </a:ext>
-            </a:extLst>
-          </p:cNvPr>
-          <p:cNvGrpSpPr/>
-          <p:nvPr/>
-        </p:nvGrpSpPr>
-        <p:grpSpPr>
-          <a:xfrm>
-            <a:off x="1047488" y="5448746"/>
-            <a:ext cx="1058400" cy="763884"/>
-            <a:chOff x="1854975" y="4673285"/>
-            <a:chExt cx="1058400" cy="558000"/>
-          </a:xfrm>
-        </p:grpSpPr>
         <p:sp>
           <p:nvSpPr>
-            <p:cNvPr id="330" name="Oval 329">
+            <p:cNvPr id="77" name="Flowchart: Terminator 76">
               <a:extLst>
                 <a:ext uri="{FF2B5EF4-FFF2-40B4-BE49-F238E27FC236}">
-                  <a16:creationId xmlns:a16="http://schemas.microsoft.com/office/drawing/2014/main" id="{7C924B38-39EB-4D79-80B1-AD9542F9659F}"/>
+                  <a16:creationId xmlns:a16="http://schemas.microsoft.com/office/drawing/2014/main" id="{27013C69-7DF9-44AE-8EE1-88A72C7EFADE}"/>
                 </a:ext>
               </a:extLst>
             </p:cNvPr>
@@ -4694,7 +3500,633 @@
           </p:nvSpPr>
           <p:spPr>
             <a:xfrm>
-              <a:off x="2361315" y="4929425"/>
+              <a:off x="1047488" y="2679329"/>
+              <a:ext cx="1058400" cy="349210"/>
+            </a:xfrm>
+            <a:prstGeom prst="flowChartTerminator">
+              <a:avLst/>
+            </a:prstGeom>
+            <a:solidFill>
+              <a:schemeClr val="bg1"/>
+            </a:solidFill>
+            <a:ln w="12700">
+              <a:solidFill>
+                <a:schemeClr val="tx1"/>
+              </a:solidFill>
+            </a:ln>
+          </p:spPr>
+          <p:style>
+            <a:lnRef idx="2">
+              <a:schemeClr val="accent1">
+                <a:shade val="50000"/>
+              </a:schemeClr>
+            </a:lnRef>
+            <a:fillRef idx="1">
+              <a:schemeClr val="accent1"/>
+            </a:fillRef>
+            <a:effectRef idx="0">
+              <a:schemeClr val="accent1"/>
+            </a:effectRef>
+            <a:fontRef idx="minor">
+              <a:schemeClr val="lt1"/>
+            </a:fontRef>
+          </p:style>
+          <p:txBody>
+            <a:bodyPr lIns="0" tIns="0" rIns="0" bIns="0" rtlCol="0" anchor="ctr" anchorCtr="1"/>
+            <a:lstStyle/>
+            <a:p>
+              <a:pPr lvl="0" algn="ctr"/>
+              <a:r>
+                <a:rPr lang="en-AU" sz="1400" dirty="0">
+                  <a:solidFill>
+                    <a:schemeClr val="tx1"/>
+                  </a:solidFill>
+                  <a:latin typeface="Helvetica Neue"/>
+                </a:rPr>
+                <a:t>Start</a:t>
+              </a:r>
+            </a:p>
+          </p:txBody>
+        </p:sp>
+        <p:grpSp>
+          <p:nvGrpSpPr>
+            <p:cNvPr id="8" name="Group 7">
+              <a:extLst>
+                <a:ext uri="{FF2B5EF4-FFF2-40B4-BE49-F238E27FC236}">
+                  <a16:creationId xmlns:a16="http://schemas.microsoft.com/office/drawing/2014/main" id="{8587D102-3088-4B31-AB4F-615401762F1F}"/>
+                </a:ext>
+              </a:extLst>
+            </p:cNvPr>
+            <p:cNvGrpSpPr/>
+            <p:nvPr/>
+          </p:nvGrpSpPr>
+          <p:grpSpPr>
+            <a:xfrm>
+              <a:off x="1047488" y="4072438"/>
+              <a:ext cx="1058400" cy="609654"/>
+              <a:chOff x="1047488" y="4253373"/>
+              <a:chExt cx="1058400" cy="556624"/>
+            </a:xfrm>
+          </p:grpSpPr>
+          <p:grpSp>
+            <p:nvGrpSpPr>
+              <p:cNvPr id="329" name="Group 328">
+                <a:extLst>
+                  <a:ext uri="{FF2B5EF4-FFF2-40B4-BE49-F238E27FC236}">
+                    <a16:creationId xmlns:a16="http://schemas.microsoft.com/office/drawing/2014/main" id="{C5216970-AFFF-4135-80BD-41562E60F57D}"/>
+                  </a:ext>
+                </a:extLst>
+              </p:cNvPr>
+              <p:cNvGrpSpPr/>
+              <p:nvPr/>
+            </p:nvGrpSpPr>
+            <p:grpSpPr>
+              <a:xfrm>
+                <a:off x="1047488" y="4371238"/>
+                <a:ext cx="160447" cy="320894"/>
+                <a:chOff x="1074704" y="4381500"/>
+                <a:chExt cx="101760" cy="203520"/>
+              </a:xfrm>
+            </p:grpSpPr>
+            <p:sp>
+              <p:nvSpPr>
+                <p:cNvPr id="327" name="Rectangle 326">
+                  <a:extLst>
+                    <a:ext uri="{FF2B5EF4-FFF2-40B4-BE49-F238E27FC236}">
+                      <a16:creationId xmlns:a16="http://schemas.microsoft.com/office/drawing/2014/main" id="{E8F556C7-CCB5-453A-9097-31210060B3EE}"/>
+                    </a:ext>
+                  </a:extLst>
+                </p:cNvPr>
+                <p:cNvSpPr/>
+                <p:nvPr/>
+              </p:nvSpPr>
+              <p:spPr>
+                <a:xfrm>
+                  <a:off x="1074704" y="4381500"/>
+                  <a:ext cx="101760" cy="101760"/>
+                </a:xfrm>
+                <a:prstGeom prst="rect">
+                  <a:avLst/>
+                </a:prstGeom>
+                <a:ln w="12700"/>
+              </p:spPr>
+              <p:style>
+                <a:lnRef idx="2">
+                  <a:schemeClr val="accent1">
+                    <a:shade val="50000"/>
+                  </a:schemeClr>
+                </a:lnRef>
+                <a:fillRef idx="1">
+                  <a:schemeClr val="accent1"/>
+                </a:fillRef>
+                <a:effectRef idx="0">
+                  <a:schemeClr val="accent1"/>
+                </a:effectRef>
+                <a:fontRef idx="minor">
+                  <a:schemeClr val="lt1"/>
+                </a:fontRef>
+              </p:style>
+              <p:txBody>
+                <a:bodyPr rtlCol="0" anchor="ctr" anchorCtr="1"/>
+                <a:lstStyle/>
+                <a:p>
+                  <a:pPr algn="ctr"/>
+                  <a:endParaRPr lang="en-AU" sz="1400"/>
+                </a:p>
+              </p:txBody>
+            </p:sp>
+            <p:sp>
+              <p:nvSpPr>
+                <p:cNvPr id="198" name="Rectangle 197">
+                  <a:extLst>
+                    <a:ext uri="{FF2B5EF4-FFF2-40B4-BE49-F238E27FC236}">
+                      <a16:creationId xmlns:a16="http://schemas.microsoft.com/office/drawing/2014/main" id="{4807D126-43E2-40F3-9110-CD8A69416C9D}"/>
+                    </a:ext>
+                  </a:extLst>
+                </p:cNvPr>
+                <p:cNvSpPr/>
+                <p:nvPr/>
+              </p:nvSpPr>
+              <p:spPr>
+                <a:xfrm>
+                  <a:off x="1074704" y="4483260"/>
+                  <a:ext cx="101760" cy="101760"/>
+                </a:xfrm>
+                <a:prstGeom prst="rect">
+                  <a:avLst/>
+                </a:prstGeom>
+                <a:ln w="12700"/>
+              </p:spPr>
+              <p:style>
+                <a:lnRef idx="2">
+                  <a:schemeClr val="accent1">
+                    <a:shade val="50000"/>
+                  </a:schemeClr>
+                </a:lnRef>
+                <a:fillRef idx="1">
+                  <a:schemeClr val="accent1"/>
+                </a:fillRef>
+                <a:effectRef idx="0">
+                  <a:schemeClr val="accent1"/>
+                </a:effectRef>
+                <a:fontRef idx="minor">
+                  <a:schemeClr val="lt1"/>
+                </a:fontRef>
+              </p:style>
+              <p:txBody>
+                <a:bodyPr rtlCol="0" anchor="ctr" anchorCtr="1"/>
+                <a:lstStyle/>
+                <a:p>
+                  <a:pPr algn="ctr"/>
+                  <a:endParaRPr lang="en-AU" sz="1400"/>
+                </a:p>
+              </p:txBody>
+            </p:sp>
+          </p:grpSp>
+          <p:sp>
+            <p:nvSpPr>
+              <p:cNvPr id="80" name="Flowchart: Process 79">
+                <a:extLst>
+                  <a:ext uri="{FF2B5EF4-FFF2-40B4-BE49-F238E27FC236}">
+                    <a16:creationId xmlns:a16="http://schemas.microsoft.com/office/drawing/2014/main" id="{4DE42798-FA4B-4B1D-BB6B-E2AB42B0DC6D}"/>
+                  </a:ext>
+                </a:extLst>
+              </p:cNvPr>
+              <p:cNvSpPr/>
+              <p:nvPr/>
+            </p:nvSpPr>
+            <p:spPr>
+              <a:xfrm>
+                <a:off x="1047488" y="4253373"/>
+                <a:ext cx="1058400" cy="556624"/>
+              </a:xfrm>
+              <a:prstGeom prst="flowChartProcess">
+                <a:avLst/>
+              </a:prstGeom>
+              <a:ln w="12700"/>
+            </p:spPr>
+            <p:style>
+              <a:lnRef idx="2">
+                <a:schemeClr val="accent1"/>
+              </a:lnRef>
+              <a:fillRef idx="1">
+                <a:schemeClr val="lt1"/>
+              </a:fillRef>
+              <a:effectRef idx="0">
+                <a:schemeClr val="accent1"/>
+              </a:effectRef>
+              <a:fontRef idx="minor">
+                <a:schemeClr val="dk1"/>
+              </a:fontRef>
+            </p:style>
+            <p:txBody>
+              <a:bodyPr lIns="0" tIns="0" rIns="0" bIns="0" rtlCol="0" anchor="ctr" anchorCtr="1"/>
+              <a:lstStyle/>
+              <a:p>
+                <a:pPr lvl="0" algn="ctr"/>
+                <a:r>
+                  <a:rPr lang="en-AU" sz="1400" dirty="0">
+                    <a:solidFill>
+                      <a:schemeClr val="tx1"/>
+                    </a:solidFill>
+                    <a:latin typeface="Helvetica Neue"/>
+                  </a:rPr>
+                  <a:t>Update Position &amp; Load</a:t>
+                </a:r>
+              </a:p>
+            </p:txBody>
+          </p:sp>
+        </p:grpSp>
+        <p:sp>
+          <p:nvSpPr>
+            <p:cNvPr id="82" name="Flowchart: Process 81">
+              <a:extLst>
+                <a:ext uri="{FF2B5EF4-FFF2-40B4-BE49-F238E27FC236}">
+                  <a16:creationId xmlns:a16="http://schemas.microsoft.com/office/drawing/2014/main" id="{D722DE0C-7EDD-4B81-9E9A-B113F7E660E0}"/>
+                </a:ext>
+              </a:extLst>
+            </p:cNvPr>
+            <p:cNvSpPr/>
+            <p:nvPr/>
+          </p:nvSpPr>
+          <p:spPr>
+            <a:xfrm>
+              <a:off x="1047488" y="6265904"/>
+              <a:ext cx="1058400" cy="611162"/>
+            </a:xfrm>
+            <a:prstGeom prst="flowChartProcess">
+              <a:avLst/>
+            </a:prstGeom>
+            <a:ln w="12700"/>
+          </p:spPr>
+          <p:style>
+            <a:lnRef idx="2">
+              <a:schemeClr val="accent1"/>
+            </a:lnRef>
+            <a:fillRef idx="1">
+              <a:schemeClr val="lt1"/>
+            </a:fillRef>
+            <a:effectRef idx="0">
+              <a:schemeClr val="accent1"/>
+            </a:effectRef>
+            <a:fontRef idx="minor">
+              <a:schemeClr val="dk1"/>
+            </a:fontRef>
+          </p:style>
+          <p:txBody>
+            <a:bodyPr lIns="0" tIns="0" rIns="0" bIns="0" rtlCol="0" anchor="ctr" anchorCtr="1"/>
+            <a:lstStyle/>
+            <a:p>
+              <a:pPr lvl="0" algn="ctr"/>
+              <a:r>
+                <a:rPr lang="en-AU" sz="1400" dirty="0">
+                  <a:solidFill>
+                    <a:schemeClr val="tx1"/>
+                  </a:solidFill>
+                  <a:latin typeface="Helvetica Neue"/>
+                </a:rPr>
+                <a:t>Calculate Control (Torque)</a:t>
+              </a:r>
+            </a:p>
+          </p:txBody>
+        </p:sp>
+        <p:cxnSp>
+          <p:nvCxnSpPr>
+            <p:cNvPr id="14" name="Straight Arrow Connector 13">
+              <a:extLst>
+                <a:ext uri="{FF2B5EF4-FFF2-40B4-BE49-F238E27FC236}">
+                  <a16:creationId xmlns:a16="http://schemas.microsoft.com/office/drawing/2014/main" id="{8A60E073-5749-470C-94A3-E23BDFA1CB98}"/>
+                </a:ext>
+              </a:extLst>
+            </p:cNvPr>
+            <p:cNvCxnSpPr>
+              <a:cxnSpLocks/>
+              <a:stCxn id="77" idx="2"/>
+              <a:endCxn id="76" idx="0"/>
+            </p:cNvCxnSpPr>
+            <p:nvPr/>
+          </p:nvCxnSpPr>
+          <p:spPr>
+            <a:xfrm>
+              <a:off x="1576688" y="3028539"/>
+              <a:ext cx="0" cy="114909"/>
+            </a:xfrm>
+            <a:prstGeom prst="straightConnector1">
+              <a:avLst/>
+            </a:prstGeom>
+            <a:ln w="12700">
+              <a:solidFill>
+                <a:schemeClr val="tx1"/>
+              </a:solidFill>
+              <a:tailEnd type="triangle"/>
+            </a:ln>
+          </p:spPr>
+          <p:style>
+            <a:lnRef idx="1">
+              <a:schemeClr val="accent1"/>
+            </a:lnRef>
+            <a:fillRef idx="0">
+              <a:schemeClr val="accent1"/>
+            </a:fillRef>
+            <a:effectRef idx="0">
+              <a:schemeClr val="accent1"/>
+            </a:effectRef>
+            <a:fontRef idx="minor">
+              <a:schemeClr val="tx1"/>
+            </a:fontRef>
+          </p:style>
+        </p:cxnSp>
+        <p:cxnSp>
+          <p:nvCxnSpPr>
+            <p:cNvPr id="16" name="Straight Arrow Connector 15">
+              <a:extLst>
+                <a:ext uri="{FF2B5EF4-FFF2-40B4-BE49-F238E27FC236}">
+                  <a16:creationId xmlns:a16="http://schemas.microsoft.com/office/drawing/2014/main" id="{5A4FF4BC-9FB6-45CC-A574-120DA0FA4BFF}"/>
+                </a:ext>
+              </a:extLst>
+            </p:cNvPr>
+            <p:cNvCxnSpPr>
+              <a:cxnSpLocks/>
+              <a:stCxn id="76" idx="2"/>
+              <a:endCxn id="78" idx="0"/>
+            </p:cNvCxnSpPr>
+            <p:nvPr/>
+          </p:nvCxnSpPr>
+          <p:spPr>
+            <a:xfrm>
+              <a:off x="1576688" y="3492660"/>
+              <a:ext cx="0" cy="114909"/>
+            </a:xfrm>
+            <a:prstGeom prst="straightConnector1">
+              <a:avLst/>
+            </a:prstGeom>
+            <a:ln w="12700">
+              <a:solidFill>
+                <a:schemeClr val="tx1"/>
+              </a:solidFill>
+              <a:tailEnd type="triangle"/>
+            </a:ln>
+          </p:spPr>
+          <p:style>
+            <a:lnRef idx="1">
+              <a:schemeClr val="accent1"/>
+            </a:lnRef>
+            <a:fillRef idx="0">
+              <a:schemeClr val="accent1"/>
+            </a:fillRef>
+            <a:effectRef idx="0">
+              <a:schemeClr val="accent1"/>
+            </a:effectRef>
+            <a:fontRef idx="minor">
+              <a:schemeClr val="tx1"/>
+            </a:fontRef>
+          </p:style>
+        </p:cxnSp>
+        <p:cxnSp>
+          <p:nvCxnSpPr>
+            <p:cNvPr id="18" name="Straight Arrow Connector 17">
+              <a:extLst>
+                <a:ext uri="{FF2B5EF4-FFF2-40B4-BE49-F238E27FC236}">
+                  <a16:creationId xmlns:a16="http://schemas.microsoft.com/office/drawing/2014/main" id="{9B66BB6A-5871-42D7-8E13-8A04F16B0853}"/>
+                </a:ext>
+              </a:extLst>
+            </p:cNvPr>
+            <p:cNvCxnSpPr>
+              <a:cxnSpLocks/>
+              <a:stCxn id="78" idx="2"/>
+              <a:endCxn id="80" idx="0"/>
+            </p:cNvCxnSpPr>
+            <p:nvPr/>
+          </p:nvCxnSpPr>
+          <p:spPr>
+            <a:xfrm>
+              <a:off x="1576688" y="3957529"/>
+              <a:ext cx="0" cy="114909"/>
+            </a:xfrm>
+            <a:prstGeom prst="straightConnector1">
+              <a:avLst/>
+            </a:prstGeom>
+            <a:ln w="12700">
+              <a:solidFill>
+                <a:schemeClr val="tx1"/>
+              </a:solidFill>
+              <a:tailEnd type="triangle"/>
+            </a:ln>
+          </p:spPr>
+          <p:style>
+            <a:lnRef idx="1">
+              <a:schemeClr val="accent1"/>
+            </a:lnRef>
+            <a:fillRef idx="0">
+              <a:schemeClr val="accent1"/>
+            </a:fillRef>
+            <a:effectRef idx="0">
+              <a:schemeClr val="accent1"/>
+            </a:effectRef>
+            <a:fontRef idx="minor">
+              <a:schemeClr val="tx1"/>
+            </a:fontRef>
+          </p:style>
+        </p:cxnSp>
+        <p:cxnSp>
+          <p:nvCxnSpPr>
+            <p:cNvPr id="20" name="Straight Arrow Connector 19">
+              <a:extLst>
+                <a:ext uri="{FF2B5EF4-FFF2-40B4-BE49-F238E27FC236}">
+                  <a16:creationId xmlns:a16="http://schemas.microsoft.com/office/drawing/2014/main" id="{8C4EC4DD-E685-49E5-AC50-6BE88776FF60}"/>
+                </a:ext>
+              </a:extLst>
+            </p:cNvPr>
+            <p:cNvCxnSpPr>
+              <a:cxnSpLocks/>
+              <a:stCxn id="80" idx="2"/>
+              <a:endCxn id="79" idx="0"/>
+            </p:cNvCxnSpPr>
+            <p:nvPr/>
+          </p:nvCxnSpPr>
+          <p:spPr>
+            <a:xfrm>
+              <a:off x="1576688" y="4682092"/>
+              <a:ext cx="0" cy="114910"/>
+            </a:xfrm>
+            <a:prstGeom prst="straightConnector1">
+              <a:avLst/>
+            </a:prstGeom>
+            <a:ln w="12700">
+              <a:solidFill>
+                <a:schemeClr val="tx1"/>
+              </a:solidFill>
+              <a:tailEnd type="triangle"/>
+            </a:ln>
+          </p:spPr>
+          <p:style>
+            <a:lnRef idx="1">
+              <a:schemeClr val="accent1"/>
+            </a:lnRef>
+            <a:fillRef idx="0">
+              <a:schemeClr val="accent1"/>
+            </a:fillRef>
+            <a:effectRef idx="0">
+              <a:schemeClr val="accent1"/>
+            </a:effectRef>
+            <a:fontRef idx="minor">
+              <a:schemeClr val="tx1"/>
+            </a:fontRef>
+          </p:style>
+        </p:cxnSp>
+        <p:cxnSp>
+          <p:nvCxnSpPr>
+            <p:cNvPr id="25" name="Straight Arrow Connector 24">
+              <a:extLst>
+                <a:ext uri="{FF2B5EF4-FFF2-40B4-BE49-F238E27FC236}">
+                  <a16:creationId xmlns:a16="http://schemas.microsoft.com/office/drawing/2014/main" id="{29D3C07A-61A8-44BA-8C5B-7212998D33F0}"/>
+                </a:ext>
+              </a:extLst>
+            </p:cNvPr>
+            <p:cNvCxnSpPr>
+              <a:cxnSpLocks/>
+              <a:stCxn id="79" idx="2"/>
+              <a:endCxn id="6" idx="0"/>
+            </p:cNvCxnSpPr>
+            <p:nvPr/>
+          </p:nvCxnSpPr>
+          <p:spPr>
+            <a:xfrm>
+              <a:off x="1576688" y="5272202"/>
+              <a:ext cx="0" cy="114909"/>
+            </a:xfrm>
+            <a:prstGeom prst="straightConnector1">
+              <a:avLst/>
+            </a:prstGeom>
+            <a:ln w="12700">
+              <a:solidFill>
+                <a:schemeClr val="tx1"/>
+              </a:solidFill>
+              <a:tailEnd type="triangle"/>
+            </a:ln>
+          </p:spPr>
+          <p:style>
+            <a:lnRef idx="1">
+              <a:schemeClr val="accent1"/>
+            </a:lnRef>
+            <a:fillRef idx="0">
+              <a:schemeClr val="accent1"/>
+            </a:fillRef>
+            <a:effectRef idx="0">
+              <a:schemeClr val="accent1"/>
+            </a:effectRef>
+            <a:fontRef idx="minor">
+              <a:schemeClr val="tx1"/>
+            </a:fontRef>
+          </p:style>
+        </p:cxnSp>
+        <p:cxnSp>
+          <p:nvCxnSpPr>
+            <p:cNvPr id="27" name="Straight Arrow Connector 26">
+              <a:extLst>
+                <a:ext uri="{FF2B5EF4-FFF2-40B4-BE49-F238E27FC236}">
+                  <a16:creationId xmlns:a16="http://schemas.microsoft.com/office/drawing/2014/main" id="{0F696F9C-73F2-4D39-858D-03896C062D3F}"/>
+                </a:ext>
+              </a:extLst>
+            </p:cNvPr>
+            <p:cNvCxnSpPr>
+              <a:cxnSpLocks/>
+              <a:stCxn id="6" idx="2"/>
+              <a:endCxn id="82" idx="0"/>
+            </p:cNvCxnSpPr>
+            <p:nvPr/>
+          </p:nvCxnSpPr>
+          <p:spPr>
+            <a:xfrm>
+              <a:off x="1576688" y="6150995"/>
+              <a:ext cx="0" cy="114909"/>
+            </a:xfrm>
+            <a:prstGeom prst="straightConnector1">
+              <a:avLst/>
+            </a:prstGeom>
+            <a:ln w="12700">
+              <a:solidFill>
+                <a:schemeClr val="tx1"/>
+              </a:solidFill>
+              <a:tailEnd type="triangle"/>
+            </a:ln>
+          </p:spPr>
+          <p:style>
+            <a:lnRef idx="1">
+              <a:schemeClr val="accent1"/>
+            </a:lnRef>
+            <a:fillRef idx="0">
+              <a:schemeClr val="accent1"/>
+            </a:fillRef>
+            <a:effectRef idx="0">
+              <a:schemeClr val="accent1"/>
+            </a:effectRef>
+            <a:fontRef idx="minor">
+              <a:schemeClr val="tx1"/>
+            </a:fontRef>
+          </p:style>
+        </p:cxnSp>
+        <p:cxnSp>
+          <p:nvCxnSpPr>
+            <p:cNvPr id="29" name="Straight Arrow Connector 28">
+              <a:extLst>
+                <a:ext uri="{FF2B5EF4-FFF2-40B4-BE49-F238E27FC236}">
+                  <a16:creationId xmlns:a16="http://schemas.microsoft.com/office/drawing/2014/main" id="{D3163670-C84F-4F1B-B145-8455C27F1D16}"/>
+                </a:ext>
+              </a:extLst>
+            </p:cNvPr>
+            <p:cNvCxnSpPr>
+              <a:cxnSpLocks/>
+              <a:stCxn id="82" idx="2"/>
+              <a:endCxn id="5" idx="0"/>
+            </p:cNvCxnSpPr>
+            <p:nvPr/>
+          </p:nvCxnSpPr>
+          <p:spPr>
+            <a:xfrm>
+              <a:off x="1576688" y="6877066"/>
+              <a:ext cx="0" cy="116222"/>
+            </a:xfrm>
+            <a:prstGeom prst="straightConnector1">
+              <a:avLst/>
+            </a:prstGeom>
+            <a:ln w="12700">
+              <a:solidFill>
+                <a:schemeClr val="tx1"/>
+              </a:solidFill>
+              <a:tailEnd type="triangle"/>
+            </a:ln>
+          </p:spPr>
+          <p:style>
+            <a:lnRef idx="1">
+              <a:schemeClr val="accent1"/>
+            </a:lnRef>
+            <a:fillRef idx="0">
+              <a:schemeClr val="accent1"/>
+            </a:fillRef>
+            <a:effectRef idx="0">
+              <a:schemeClr val="accent1"/>
+            </a:effectRef>
+            <a:fontRef idx="minor">
+              <a:schemeClr val="tx1"/>
+            </a:fontRef>
+          </p:style>
+        </p:cxnSp>
+        <p:sp>
+          <p:nvSpPr>
+            <p:cNvPr id="467" name="Oval 466">
+              <a:extLst>
+                <a:ext uri="{FF2B5EF4-FFF2-40B4-BE49-F238E27FC236}">
+                  <a16:creationId xmlns:a16="http://schemas.microsoft.com/office/drawing/2014/main" id="{5CFC959C-CA61-45A7-A9CE-1A0E9D46C3C0}"/>
+                </a:ext>
+              </a:extLst>
+            </p:cNvPr>
+            <p:cNvSpPr/>
+            <p:nvPr/>
+          </p:nvSpPr>
+          <p:spPr>
+            <a:xfrm>
+              <a:off x="3303671" y="5746193"/>
               <a:ext cx="45720" cy="45720"/>
             </a:xfrm>
             <a:prstGeom prst="ellipse">
@@ -4726,20 +4158,162 @@
             </a:fontRef>
           </p:style>
           <p:txBody>
-            <a:bodyPr lIns="0" tIns="0" rIns="0" bIns="0" rtlCol="0" anchor="ctr"/>
+            <a:bodyPr lIns="0" tIns="0" rIns="0" bIns="0" rtlCol="0" anchor="ctr" anchorCtr="1"/>
             <a:lstStyle/>
             <a:p>
               <a:pPr algn="ctr"/>
-              <a:endParaRPr lang="en-AU" sz="1200"/>
+              <a:endParaRPr lang="en-AU" sz="1400"/>
             </a:p>
           </p:txBody>
         </p:sp>
+        <p:cxnSp>
+          <p:nvCxnSpPr>
+            <p:cNvPr id="469" name="Connector: Elbow 468">
+              <a:extLst>
+                <a:ext uri="{FF2B5EF4-FFF2-40B4-BE49-F238E27FC236}">
+                  <a16:creationId xmlns:a16="http://schemas.microsoft.com/office/drawing/2014/main" id="{F8C2DEC2-7287-4BB1-84E5-26E6198F04F7}"/>
+                </a:ext>
+              </a:extLst>
+            </p:cNvPr>
+            <p:cNvCxnSpPr>
+              <a:cxnSpLocks/>
+              <a:stCxn id="5" idx="2"/>
+              <a:endCxn id="467" idx="4"/>
+            </p:cNvCxnSpPr>
+            <p:nvPr/>
+          </p:nvCxnSpPr>
+          <p:spPr>
+            <a:xfrm rot="5400000" flipH="1" flipV="1">
+              <a:off x="1613448" y="5755152"/>
+              <a:ext cx="1676321" cy="1749843"/>
+            </a:xfrm>
+            <a:prstGeom prst="bentConnector3">
+              <a:avLst>
+                <a:gd name="adj1" fmla="val -3572"/>
+              </a:avLst>
+            </a:prstGeom>
+            <a:ln w="12700">
+              <a:solidFill>
+                <a:schemeClr val="tx1"/>
+              </a:solidFill>
+              <a:headEnd type="none" w="med" len="med"/>
+              <a:tailEnd type="none" w="med" len="med"/>
+            </a:ln>
+          </p:spPr>
+          <p:style>
+            <a:lnRef idx="1">
+              <a:schemeClr val="accent1"/>
+            </a:lnRef>
+            <a:fillRef idx="0">
+              <a:schemeClr val="accent1"/>
+            </a:fillRef>
+            <a:effectRef idx="0">
+              <a:schemeClr val="accent1"/>
+            </a:effectRef>
+            <a:fontRef idx="minor">
+              <a:schemeClr val="tx1"/>
+            </a:fontRef>
+          </p:style>
+        </p:cxnSp>
+        <p:cxnSp>
+          <p:nvCxnSpPr>
+            <p:cNvPr id="471" name="Connector: Elbow 470">
+              <a:extLst>
+                <a:ext uri="{FF2B5EF4-FFF2-40B4-BE49-F238E27FC236}">
+                  <a16:creationId xmlns:a16="http://schemas.microsoft.com/office/drawing/2014/main" id="{FFFFA879-36C0-481D-8920-ECD0EE6BECFF}"/>
+                </a:ext>
+              </a:extLst>
+            </p:cNvPr>
+            <p:cNvCxnSpPr>
+              <a:cxnSpLocks/>
+              <a:stCxn id="467" idx="0"/>
+              <a:endCxn id="456" idx="3"/>
+            </p:cNvCxnSpPr>
+            <p:nvPr/>
+          </p:nvCxnSpPr>
+          <p:spPr>
+            <a:xfrm rot="16200000" flipV="1">
+              <a:off x="2280961" y="4700623"/>
+              <a:ext cx="1963644" cy="127496"/>
+            </a:xfrm>
+            <a:prstGeom prst="bentConnector2">
+              <a:avLst/>
+            </a:prstGeom>
+            <a:ln w="12700">
+              <a:solidFill>
+                <a:schemeClr val="tx1"/>
+              </a:solidFill>
+              <a:tailEnd type="triangle"/>
+            </a:ln>
+          </p:spPr>
+          <p:style>
+            <a:lnRef idx="1">
+              <a:schemeClr val="accent1"/>
+            </a:lnRef>
+            <a:fillRef idx="0">
+              <a:schemeClr val="accent1"/>
+            </a:fillRef>
+            <a:effectRef idx="0">
+              <a:schemeClr val="accent1"/>
+            </a:effectRef>
+            <a:fontRef idx="minor">
+              <a:schemeClr val="tx1"/>
+            </a:fontRef>
+          </p:style>
+        </p:cxnSp>
+        <p:cxnSp>
+          <p:nvCxnSpPr>
+            <p:cNvPr id="474" name="Straight Arrow Connector 473">
+              <a:extLst>
+                <a:ext uri="{FF2B5EF4-FFF2-40B4-BE49-F238E27FC236}">
+                  <a16:creationId xmlns:a16="http://schemas.microsoft.com/office/drawing/2014/main" id="{D3555170-0379-40B0-A824-4AE36BCC5C98}"/>
+                </a:ext>
+              </a:extLst>
+            </p:cNvPr>
+            <p:cNvCxnSpPr>
+              <a:cxnSpLocks/>
+              <a:stCxn id="6" idx="3"/>
+              <a:endCxn id="467" idx="2"/>
+            </p:cNvCxnSpPr>
+            <p:nvPr/>
+          </p:nvCxnSpPr>
+          <p:spPr>
+            <a:xfrm>
+              <a:off x="2105888" y="5769053"/>
+              <a:ext cx="1197783" cy="0"/>
+            </a:xfrm>
+            <a:prstGeom prst="straightConnector1">
+              <a:avLst/>
+            </a:prstGeom>
+            <a:ln w="12700">
+              <a:solidFill>
+                <a:schemeClr val="tx1"/>
+              </a:solidFill>
+              <a:headEnd type="none" w="med" len="med"/>
+              <a:tailEnd type="none" w="med" len="med"/>
+            </a:ln>
+          </p:spPr>
+          <p:style>
+            <a:lnRef idx="1">
+              <a:schemeClr val="accent1"/>
+            </a:lnRef>
+            <a:fillRef idx="0">
+              <a:schemeClr val="accent1"/>
+            </a:fillRef>
+            <a:effectRef idx="0">
+              <a:schemeClr val="accent1"/>
+            </a:effectRef>
+            <a:fontRef idx="minor">
+              <a:schemeClr val="tx1"/>
+            </a:fontRef>
+          </p:style>
+        </p:cxnSp>
         <p:sp>
           <p:nvSpPr>
-            <p:cNvPr id="6" name="Flowchart: Decision 5">
+            <p:cNvPr id="479" name="Rectangle 478">
               <a:extLst>
                 <a:ext uri="{FF2B5EF4-FFF2-40B4-BE49-F238E27FC236}">
-                  <a16:creationId xmlns:a16="http://schemas.microsoft.com/office/drawing/2014/main" id="{BEA65D4B-1AA1-4A3F-9D24-438DBFE95FD4}"/>
+                  <a16:creationId xmlns:a16="http://schemas.microsoft.com/office/drawing/2014/main" id="{637A894D-8FE2-45D9-860F-0BA7D2245642}"/>
                 </a:ext>
               </a:extLst>
             </p:cNvPr>
@@ -4748,64 +4322,14 @@
           </p:nvSpPr>
           <p:spPr>
             <a:xfrm>
-              <a:off x="1854975" y="4673285"/>
-              <a:ext cx="1058400" cy="558000"/>
-            </a:xfrm>
-            <a:prstGeom prst="flowChartDecision">
-              <a:avLst/>
-            </a:prstGeom>
-            <a:ln w="28575"/>
-          </p:spPr>
-          <p:style>
-            <a:lnRef idx="2">
-              <a:schemeClr val="accent2"/>
-            </a:lnRef>
-            <a:fillRef idx="1">
-              <a:schemeClr val="lt1"/>
-            </a:fillRef>
-            <a:effectRef idx="0">
-              <a:schemeClr val="accent2"/>
-            </a:effectRef>
-            <a:fontRef idx="minor">
-              <a:schemeClr val="dk1"/>
-            </a:fontRef>
-          </p:style>
-          <p:txBody>
-            <a:bodyPr lIns="0" tIns="0" rIns="0" bIns="0" rtlCol="0" anchor="ctr"/>
-            <a:lstStyle/>
-            <a:p>
-              <a:pPr lvl="0" algn="ctr"/>
-              <a:endParaRPr lang="en-AU" sz="1200" dirty="0">
-                <a:solidFill>
-                  <a:schemeClr val="tx1"/>
-                </a:solidFill>
-                <a:latin typeface="Helvetica Neue"/>
-              </a:endParaRPr>
-            </a:p>
-          </p:txBody>
-        </p:sp>
-        <p:sp>
-          <p:nvSpPr>
-            <p:cNvPr id="23" name="Rectangle 22">
-              <a:extLst>
-                <a:ext uri="{FF2B5EF4-FFF2-40B4-BE49-F238E27FC236}">
-                  <a16:creationId xmlns:a16="http://schemas.microsoft.com/office/drawing/2014/main" id="{7D3BF421-6916-41D6-B40F-DC26C83FF830}"/>
-                </a:ext>
-              </a:extLst>
-            </p:cNvPr>
-            <p:cNvSpPr/>
-            <p:nvPr/>
-          </p:nvSpPr>
-          <p:spPr>
-            <a:xfrm>
-              <a:off x="1961512" y="4775071"/>
-              <a:ext cx="845328" cy="354429"/>
+              <a:off x="959484" y="5999447"/>
+              <a:ext cx="771890" cy="302400"/>
             </a:xfrm>
             <a:prstGeom prst="rect">
               <a:avLst/>
             </a:prstGeom>
             <a:noFill/>
-            <a:ln>
+            <a:ln w="12700">
               <a:noFill/>
             </a:ln>
           </p:spPr>
@@ -4826,102 +4350,28 @@
             </a:fontRef>
           </p:style>
           <p:txBody>
-            <a:bodyPr lIns="0" tIns="0" rIns="0" bIns="0" rtlCol="0" anchor="ctr"/>
+            <a:bodyPr lIns="0" tIns="0" rIns="0" bIns="0" rtlCol="0" anchor="ctr" anchorCtr="1"/>
             <a:lstStyle/>
             <a:p>
-              <a:pPr lvl="0" algn="ctr"/>
+              <a:pPr lvl="0"/>
               <a:r>
-                <a:rPr lang="en-AU" sz="1200" dirty="0">
+                <a:rPr lang="en-AU" sz="1400" b="1" dirty="0">
                   <a:solidFill>
-                    <a:prstClr val="black"/>
+                    <a:sysClr val="windowText" lastClr="000000"/>
                   </a:solidFill>
                   <a:latin typeface="Helvetica Neue"/>
                 </a:rPr>
-                <a:t>t &gt; 1000 ms</a:t>
+                <a:t>Yes</a:t>
               </a:r>
             </a:p>
           </p:txBody>
         </p:sp>
-      </p:grpSp>
-      <p:sp>
-        <p:nvSpPr>
-          <p:cNvPr id="122" name="Flowchart: Process 121">
-            <a:extLst>
-              <a:ext uri="{FF2B5EF4-FFF2-40B4-BE49-F238E27FC236}">
-                <a16:creationId xmlns:a16="http://schemas.microsoft.com/office/drawing/2014/main" id="{EB940B7E-EFA3-4CAD-9002-0258175389C2}"/>
-              </a:ext>
-            </a:extLst>
-          </p:cNvPr>
-          <p:cNvSpPr/>
-          <p:nvPr/>
-        </p:nvSpPr>
-        <p:spPr>
-          <a:xfrm>
-            <a:off x="2291445" y="3376447"/>
-            <a:ext cx="958994" cy="730034"/>
-          </a:xfrm>
-          <a:prstGeom prst="flowChartProcess">
-            <a:avLst/>
-          </a:prstGeom>
-          <a:ln w="28575"/>
-        </p:spPr>
-        <p:style>
-          <a:lnRef idx="2">
-            <a:schemeClr val="accent1"/>
-          </a:lnRef>
-          <a:fillRef idx="1">
-            <a:schemeClr val="lt1"/>
-          </a:fillRef>
-          <a:effectRef idx="0">
-            <a:schemeClr val="accent1"/>
-          </a:effectRef>
-          <a:fontRef idx="minor">
-            <a:schemeClr val="dk1"/>
-          </a:fontRef>
-        </p:style>
-        <p:txBody>
-          <a:bodyPr lIns="0" tIns="0" rIns="0" bIns="0" rtlCol="0" anchor="ctr"/>
-          <a:lstStyle/>
-          <a:p>
-            <a:pPr lvl="0" algn="ctr"/>
-            <a:r>
-              <a:rPr lang="en-AU" sz="1200" dirty="0">
-                <a:solidFill>
-                  <a:schemeClr val="tx1"/>
-                </a:solidFill>
-                <a:latin typeface="Helvetica Neue"/>
-              </a:rPr>
-              <a:t>Transmit messages via DMA</a:t>
-            </a:r>
-          </a:p>
-        </p:txBody>
-      </p:sp>
-      <p:grpSp>
-        <p:nvGrpSpPr>
-          <p:cNvPr id="87" name="Group 86">
-            <a:extLst>
-              <a:ext uri="{FF2B5EF4-FFF2-40B4-BE49-F238E27FC236}">
-                <a16:creationId xmlns:a16="http://schemas.microsoft.com/office/drawing/2014/main" id="{8FB6A650-9C3E-4AC5-9E2B-4A0899C4CB8F}"/>
-              </a:ext>
-            </a:extLst>
-          </p:cNvPr>
-          <p:cNvGrpSpPr/>
-          <p:nvPr/>
-        </p:nvGrpSpPr>
-        <p:grpSpPr>
-          <a:xfrm>
-            <a:off x="0" y="3805080"/>
-            <a:ext cx="865853" cy="556623"/>
-            <a:chOff x="2192510" y="4253374"/>
-            <a:chExt cx="1085518" cy="556623"/>
-          </a:xfrm>
-        </p:grpSpPr>
         <p:sp>
           <p:nvSpPr>
-            <p:cNvPr id="7" name="Flowchart: Data 6">
+            <p:cNvPr id="195" name="Rectangle 194">
               <a:extLst>
                 <a:ext uri="{FF2B5EF4-FFF2-40B4-BE49-F238E27FC236}">
-                  <a16:creationId xmlns:a16="http://schemas.microsoft.com/office/drawing/2014/main" id="{83F737D4-35B5-4A8C-9E90-354EDC1DF855}"/>
+                  <a16:creationId xmlns:a16="http://schemas.microsoft.com/office/drawing/2014/main" id="{1F4997E3-D356-4B80-9EAC-303E911DB61D}"/>
                 </a:ext>
               </a:extLst>
             </p:cNvPr>
@@ -4930,64 +4380,14 @@
           </p:nvSpPr>
           <p:spPr>
             <a:xfrm>
-              <a:off x="2192510" y="4253374"/>
-              <a:ext cx="1085518" cy="556623"/>
-            </a:xfrm>
-            <a:prstGeom prst="flowChartInputOutput">
-              <a:avLst/>
-            </a:prstGeom>
-            <a:ln w="28575"/>
-          </p:spPr>
-          <p:style>
-            <a:lnRef idx="2">
-              <a:schemeClr val="accent6"/>
-            </a:lnRef>
-            <a:fillRef idx="1">
-              <a:schemeClr val="lt1"/>
-            </a:fillRef>
-            <a:effectRef idx="0">
-              <a:schemeClr val="accent6"/>
-            </a:effectRef>
-            <a:fontRef idx="minor">
-              <a:schemeClr val="dk1"/>
-            </a:fontRef>
-          </p:style>
-          <p:txBody>
-            <a:bodyPr lIns="0" tIns="0" rIns="0" bIns="0" rtlCol="0" anchor="ctr"/>
-            <a:lstStyle/>
-            <a:p>
-              <a:pPr algn="ctr"/>
-              <a:endParaRPr lang="en-AU" sz="1200" dirty="0">
-                <a:solidFill>
-                  <a:schemeClr val="tx1"/>
-                </a:solidFill>
-                <a:latin typeface="Helvetica Neue"/>
-              </a:endParaRPr>
-            </a:p>
-          </p:txBody>
-        </p:sp>
-        <p:sp>
-          <p:nvSpPr>
-            <p:cNvPr id="123" name="Rectangle 122">
-              <a:extLst>
-                <a:ext uri="{FF2B5EF4-FFF2-40B4-BE49-F238E27FC236}">
-                  <a16:creationId xmlns:a16="http://schemas.microsoft.com/office/drawing/2014/main" id="{9649B393-D983-4840-B48B-2CE42606683C}"/>
-                </a:ext>
-              </a:extLst>
-            </p:cNvPr>
-            <p:cNvSpPr/>
-            <p:nvPr/>
-          </p:nvSpPr>
-          <p:spPr>
-            <a:xfrm>
-              <a:off x="2253388" y="4289084"/>
-              <a:ext cx="963763" cy="485202"/>
+              <a:off x="1812059" y="5525803"/>
+              <a:ext cx="771890" cy="302400"/>
             </a:xfrm>
             <a:prstGeom prst="rect">
               <a:avLst/>
             </a:prstGeom>
             <a:noFill/>
-            <a:ln>
+            <a:ln w="12700">
               <a:noFill/>
             </a:ln>
           </p:spPr>
@@ -5008,408 +4408,1376 @@
             </a:fontRef>
           </p:style>
           <p:txBody>
-            <a:bodyPr lIns="0" tIns="0" rIns="0" bIns="0" rtlCol="0" anchor="ctr"/>
+            <a:bodyPr lIns="0" tIns="0" rIns="0" bIns="0" rtlCol="0" anchor="ctr" anchorCtr="1"/>
             <a:lstStyle/>
             <a:p>
-              <a:pPr algn="ctr"/>
+              <a:pPr lvl="0"/>
               <a:r>
-                <a:rPr lang="en-AU" sz="1200" dirty="0">
+                <a:rPr lang="en-AU" sz="1400" b="1" dirty="0">
+                  <a:solidFill>
+                    <a:sysClr val="windowText" lastClr="000000"/>
+                  </a:solidFill>
+                  <a:latin typeface="Helvetica Neue"/>
+                </a:rPr>
+                <a:t>No</a:t>
+              </a:r>
+            </a:p>
+          </p:txBody>
+        </p:sp>
+        <p:grpSp>
+          <p:nvGrpSpPr>
+            <p:cNvPr id="285" name="Group 284">
+              <a:extLst>
+                <a:ext uri="{FF2B5EF4-FFF2-40B4-BE49-F238E27FC236}">
+                  <a16:creationId xmlns:a16="http://schemas.microsoft.com/office/drawing/2014/main" id="{A9DAF648-B558-4B3F-8C48-51ABAF42FF91}"/>
+                </a:ext>
+              </a:extLst>
+            </p:cNvPr>
+            <p:cNvGrpSpPr/>
+            <p:nvPr/>
+          </p:nvGrpSpPr>
+          <p:grpSpPr>
+            <a:xfrm>
+              <a:off x="0" y="4919715"/>
+              <a:ext cx="865860" cy="830243"/>
+              <a:chOff x="0" y="3117751"/>
+              <a:chExt cx="865860" cy="730348"/>
+            </a:xfrm>
+          </p:grpSpPr>
+          <p:grpSp>
+            <p:nvGrpSpPr>
+              <p:cNvPr id="191" name="Group 190">
+                <a:extLst>
+                  <a:ext uri="{FF2B5EF4-FFF2-40B4-BE49-F238E27FC236}">
+                    <a16:creationId xmlns:a16="http://schemas.microsoft.com/office/drawing/2014/main" id="{C473AC24-468B-4F06-B214-C2A5955506AB}"/>
+                  </a:ext>
+                </a:extLst>
+              </p:cNvPr>
+              <p:cNvGrpSpPr/>
+              <p:nvPr/>
+            </p:nvGrpSpPr>
+            <p:grpSpPr>
+              <a:xfrm>
+                <a:off x="131801" y="3703166"/>
+                <a:ext cx="602259" cy="123559"/>
+                <a:chOff x="215821" y="3703166"/>
+                <a:chExt cx="602259" cy="123559"/>
+              </a:xfrm>
+            </p:grpSpPr>
+            <p:sp>
+              <p:nvSpPr>
+                <p:cNvPr id="190" name="Rectangle 189">
+                  <a:extLst>
+                    <a:ext uri="{FF2B5EF4-FFF2-40B4-BE49-F238E27FC236}">
+                      <a16:creationId xmlns:a16="http://schemas.microsoft.com/office/drawing/2014/main" id="{4BD5F161-F290-42AA-A937-DCF134181F6C}"/>
+                    </a:ext>
+                  </a:extLst>
+                </p:cNvPr>
+                <p:cNvSpPr/>
+                <p:nvPr/>
+              </p:nvSpPr>
+              <p:spPr>
+                <a:xfrm>
+                  <a:off x="215821" y="3703166"/>
+                  <a:ext cx="123559" cy="123559"/>
+                </a:xfrm>
+                <a:prstGeom prst="rect">
+                  <a:avLst/>
+                </a:prstGeom>
+                <a:ln w="12700"/>
+              </p:spPr>
+              <p:style>
+                <a:lnRef idx="2">
+                  <a:schemeClr val="accent1">
+                    <a:shade val="50000"/>
+                  </a:schemeClr>
+                </a:lnRef>
+                <a:fillRef idx="1">
+                  <a:schemeClr val="accent1"/>
+                </a:fillRef>
+                <a:effectRef idx="0">
+                  <a:schemeClr val="accent1"/>
+                </a:effectRef>
+                <a:fontRef idx="minor">
+                  <a:schemeClr val="lt1"/>
+                </a:fontRef>
+              </p:style>
+              <p:txBody>
+                <a:bodyPr lIns="0" tIns="0" rIns="0" bIns="0" rtlCol="0" anchor="ctr" anchorCtr="1"/>
+                <a:lstStyle/>
+                <a:p>
+                  <a:pPr algn="ctr"/>
+                  <a:endParaRPr lang="en-AU" sz="1400"/>
+                </a:p>
+              </p:txBody>
+            </p:sp>
+            <p:sp>
+              <p:nvSpPr>
+                <p:cNvPr id="336" name="Rectangle 335">
+                  <a:extLst>
+                    <a:ext uri="{FF2B5EF4-FFF2-40B4-BE49-F238E27FC236}">
+                      <a16:creationId xmlns:a16="http://schemas.microsoft.com/office/drawing/2014/main" id="{6DD1D3D5-EA3F-4DCB-A18C-9785FF88FF90}"/>
+                    </a:ext>
+                  </a:extLst>
+                </p:cNvPr>
+                <p:cNvSpPr/>
+                <p:nvPr/>
+              </p:nvSpPr>
+              <p:spPr>
+                <a:xfrm>
+                  <a:off x="694521" y="3703166"/>
+                  <a:ext cx="123559" cy="123559"/>
+                </a:xfrm>
+                <a:prstGeom prst="rect">
+                  <a:avLst/>
+                </a:prstGeom>
+                <a:ln w="12700"/>
+              </p:spPr>
+              <p:style>
+                <a:lnRef idx="2">
+                  <a:schemeClr val="accent1">
+                    <a:shade val="50000"/>
+                  </a:schemeClr>
+                </a:lnRef>
+                <a:fillRef idx="1">
+                  <a:schemeClr val="accent1"/>
+                </a:fillRef>
+                <a:effectRef idx="0">
+                  <a:schemeClr val="accent1"/>
+                </a:effectRef>
+                <a:fontRef idx="minor">
+                  <a:schemeClr val="lt1"/>
+                </a:fontRef>
+              </p:style>
+              <p:txBody>
+                <a:bodyPr lIns="0" tIns="0" rIns="0" bIns="0" rtlCol="0" anchor="ctr" anchorCtr="1"/>
+                <a:lstStyle/>
+                <a:p>
+                  <a:pPr algn="ctr"/>
+                  <a:endParaRPr lang="en-AU" sz="1400"/>
+                </a:p>
+              </p:txBody>
+            </p:sp>
+          </p:grpSp>
+          <p:sp>
+            <p:nvSpPr>
+              <p:cNvPr id="258" name="Flowchart: Internal Storage 257">
+                <a:extLst>
+                  <a:ext uri="{FF2B5EF4-FFF2-40B4-BE49-F238E27FC236}">
+                    <a16:creationId xmlns:a16="http://schemas.microsoft.com/office/drawing/2014/main" id="{087777B0-DEEB-4E43-93F6-C604859814C2}"/>
+                  </a:ext>
+                </a:extLst>
+              </p:cNvPr>
+              <p:cNvSpPr/>
+              <p:nvPr/>
+            </p:nvSpPr>
+            <p:spPr>
+              <a:xfrm>
+                <a:off x="0" y="3117751"/>
+                <a:ext cx="865860" cy="730348"/>
+              </a:xfrm>
+              <a:prstGeom prst="flowChartInternalStorage">
+                <a:avLst/>
+              </a:prstGeom>
+              <a:ln w="12700"/>
+            </p:spPr>
+            <p:style>
+              <a:lnRef idx="2">
+                <a:schemeClr val="accent4"/>
+              </a:lnRef>
+              <a:fillRef idx="1">
+                <a:schemeClr val="lt1"/>
+              </a:fillRef>
+              <a:effectRef idx="0">
+                <a:schemeClr val="accent4"/>
+              </a:effectRef>
+              <a:fontRef idx="minor">
+                <a:schemeClr val="dk1"/>
+              </a:fontRef>
+            </p:style>
+            <p:txBody>
+              <a:bodyPr lIns="0" tIns="0" rIns="0" bIns="0" rtlCol="0" anchor="ctr" anchorCtr="1"/>
+              <a:lstStyle/>
+              <a:p>
+                <a:pPr lvl="0" algn="ctr"/>
+                <a:r>
+                  <a:rPr lang="en-AU" sz="1400" dirty="0">
+                    <a:solidFill>
+                      <a:schemeClr val="tx1"/>
+                    </a:solidFill>
+                    <a:latin typeface="Helvetica Neue"/>
+                  </a:rPr>
+                  <a:t>Position</a:t>
+                </a:r>
+              </a:p>
+              <a:p>
+                <a:pPr lvl="0" algn="ctr"/>
+                <a:r>
+                  <a:rPr lang="en-AU" sz="1400" dirty="0">
+                    <a:solidFill>
+                      <a:schemeClr val="tx1"/>
+                    </a:solidFill>
+                    <a:latin typeface="Helvetica Neue"/>
+                  </a:rPr>
+                  <a:t>&amp; Load Data</a:t>
+                </a:r>
+              </a:p>
+            </p:txBody>
+          </p:sp>
+        </p:grpSp>
+        <p:sp>
+          <p:nvSpPr>
+            <p:cNvPr id="328" name="Rectangle 327">
+              <a:extLst>
+                <a:ext uri="{FF2B5EF4-FFF2-40B4-BE49-F238E27FC236}">
+                  <a16:creationId xmlns:a16="http://schemas.microsoft.com/office/drawing/2014/main" id="{1D489E7F-9A7B-4D87-980B-32641D7C6AF4}"/>
+                </a:ext>
+              </a:extLst>
+            </p:cNvPr>
+            <p:cNvSpPr/>
+            <p:nvPr/>
+          </p:nvSpPr>
+          <p:spPr>
+            <a:xfrm>
+              <a:off x="2240041" y="2679329"/>
+              <a:ext cx="1096884" cy="760818"/>
+            </a:xfrm>
+            <a:prstGeom prst="rect">
+              <a:avLst/>
+            </a:prstGeom>
+            <a:noFill/>
+            <a:ln w="12700">
+              <a:noFill/>
+            </a:ln>
+          </p:spPr>
+          <p:style>
+            <a:lnRef idx="2">
+              <a:schemeClr val="accent1">
+                <a:shade val="50000"/>
+              </a:schemeClr>
+            </a:lnRef>
+            <a:fillRef idx="1">
+              <a:schemeClr val="accent1"/>
+            </a:fillRef>
+            <a:effectRef idx="0">
+              <a:schemeClr val="accent1"/>
+            </a:effectRef>
+            <a:fontRef idx="minor">
+              <a:schemeClr val="lt1"/>
+            </a:fontRef>
+          </p:style>
+          <p:txBody>
+            <a:bodyPr lIns="0" tIns="0" rIns="0" bIns="0" rtlCol="0" anchor="ctr" anchorCtr="1"/>
+            <a:lstStyle/>
+            <a:p>
+              <a:pPr lvl="0" algn="r"/>
+              <a:r>
+                <a:rPr lang="en-AU" sz="1400" b="1" i="1" dirty="0">
+                  <a:solidFill>
+                    <a:schemeClr val="accent2"/>
+                  </a:solidFill>
+                  <a:latin typeface="Helvetica Neue"/>
+                </a:rPr>
+                <a:t>Delay</a:t>
+              </a:r>
+              <a:r>
+                <a:rPr lang="en-AU" sz="1400" i="1" dirty="0">
+                  <a:solidFill>
+                    <a:sysClr val="windowText" lastClr="000000"/>
+                  </a:solidFill>
+                  <a:latin typeface="Helvetica Neue"/>
+                </a:rPr>
+                <a:t> to initialise values before movement</a:t>
+              </a:r>
+            </a:p>
+          </p:txBody>
+        </p:sp>
+        <p:grpSp>
+          <p:nvGrpSpPr>
+            <p:cNvPr id="460" name="Group 459">
+              <a:extLst>
+                <a:ext uri="{FF2B5EF4-FFF2-40B4-BE49-F238E27FC236}">
+                  <a16:creationId xmlns:a16="http://schemas.microsoft.com/office/drawing/2014/main" id="{4F816127-01F9-4E8B-AE02-980D809EC3B4}"/>
+                </a:ext>
+              </a:extLst>
+            </p:cNvPr>
+            <p:cNvGrpSpPr/>
+            <p:nvPr/>
+          </p:nvGrpSpPr>
+          <p:grpSpPr>
+            <a:xfrm>
+              <a:off x="1047488" y="5387111"/>
+              <a:ext cx="1058400" cy="763884"/>
+              <a:chOff x="1854975" y="4673285"/>
+              <a:chExt cx="1058400" cy="558000"/>
+            </a:xfrm>
+          </p:grpSpPr>
+          <p:sp>
+            <p:nvSpPr>
+              <p:cNvPr id="330" name="Oval 329">
+                <a:extLst>
+                  <a:ext uri="{FF2B5EF4-FFF2-40B4-BE49-F238E27FC236}">
+                    <a16:creationId xmlns:a16="http://schemas.microsoft.com/office/drawing/2014/main" id="{7C924B38-39EB-4D79-80B1-AD9542F9659F}"/>
+                  </a:ext>
+                </a:extLst>
+              </p:cNvPr>
+              <p:cNvSpPr/>
+              <p:nvPr/>
+            </p:nvSpPr>
+            <p:spPr>
+              <a:xfrm>
+                <a:off x="2361315" y="4929425"/>
+                <a:ext cx="45720" cy="45720"/>
+              </a:xfrm>
+              <a:prstGeom prst="ellipse">
+                <a:avLst/>
+              </a:prstGeom>
+              <a:solidFill>
+                <a:schemeClr val="tx1"/>
+              </a:solidFill>
+              <a:ln w="12700">
+                <a:solidFill>
+                  <a:schemeClr val="tx1"/>
+                </a:solidFill>
+              </a:ln>
+            </p:spPr>
+            <p:style>
+              <a:lnRef idx="2">
+                <a:schemeClr val="accent1">
+                  <a:shade val="50000"/>
+                </a:schemeClr>
+              </a:lnRef>
+              <a:fillRef idx="1">
+                <a:schemeClr val="accent1"/>
+              </a:fillRef>
+              <a:effectRef idx="0">
+                <a:schemeClr val="accent1"/>
+              </a:effectRef>
+              <a:fontRef idx="minor">
+                <a:schemeClr val="lt1"/>
+              </a:fontRef>
+            </p:style>
+            <p:txBody>
+              <a:bodyPr lIns="0" tIns="0" rIns="0" bIns="0" rtlCol="0" anchor="ctr" anchorCtr="1"/>
+              <a:lstStyle/>
+              <a:p>
+                <a:pPr algn="ctr"/>
+                <a:endParaRPr lang="en-AU" sz="1400"/>
+              </a:p>
+            </p:txBody>
+          </p:sp>
+          <p:sp>
+            <p:nvSpPr>
+              <p:cNvPr id="6" name="Flowchart: Decision 5">
+                <a:extLst>
+                  <a:ext uri="{FF2B5EF4-FFF2-40B4-BE49-F238E27FC236}">
+                    <a16:creationId xmlns:a16="http://schemas.microsoft.com/office/drawing/2014/main" id="{BEA65D4B-1AA1-4A3F-9D24-438DBFE95FD4}"/>
+                  </a:ext>
+                </a:extLst>
+              </p:cNvPr>
+              <p:cNvSpPr/>
+              <p:nvPr/>
+            </p:nvSpPr>
+            <p:spPr>
+              <a:xfrm>
+                <a:off x="1854975" y="4673285"/>
+                <a:ext cx="1058400" cy="558000"/>
+              </a:xfrm>
+              <a:prstGeom prst="flowChartDecision">
+                <a:avLst/>
+              </a:prstGeom>
+              <a:ln w="12700"/>
+            </p:spPr>
+            <p:style>
+              <a:lnRef idx="2">
+                <a:schemeClr val="accent2"/>
+              </a:lnRef>
+              <a:fillRef idx="1">
+                <a:schemeClr val="lt1"/>
+              </a:fillRef>
+              <a:effectRef idx="0">
+                <a:schemeClr val="accent2"/>
+              </a:effectRef>
+              <a:fontRef idx="minor">
+                <a:schemeClr val="dk1"/>
+              </a:fontRef>
+            </p:style>
+            <p:txBody>
+              <a:bodyPr lIns="0" tIns="0" rIns="0" bIns="0" rtlCol="0" anchor="ctr" anchorCtr="1"/>
+              <a:lstStyle/>
+              <a:p>
+                <a:pPr lvl="0" algn="ctr"/>
+                <a:endParaRPr lang="en-AU" sz="1400" dirty="0">
+                  <a:solidFill>
+                    <a:schemeClr val="tx1"/>
+                  </a:solidFill>
+                  <a:latin typeface="Helvetica Neue"/>
+                </a:endParaRPr>
+              </a:p>
+            </p:txBody>
+          </p:sp>
+          <p:sp>
+            <p:nvSpPr>
+              <p:cNvPr id="23" name="Rectangle 22">
+                <a:extLst>
+                  <a:ext uri="{FF2B5EF4-FFF2-40B4-BE49-F238E27FC236}">
+                    <a16:creationId xmlns:a16="http://schemas.microsoft.com/office/drawing/2014/main" id="{7D3BF421-6916-41D6-B40F-DC26C83FF830}"/>
+                  </a:ext>
+                </a:extLst>
+              </p:cNvPr>
+              <p:cNvSpPr/>
+              <p:nvPr/>
+            </p:nvSpPr>
+            <p:spPr>
+              <a:xfrm>
+                <a:off x="1916061" y="4775071"/>
+                <a:ext cx="936230" cy="354429"/>
+              </a:xfrm>
+              <a:prstGeom prst="rect">
+                <a:avLst/>
+              </a:prstGeom>
+              <a:noFill/>
+              <a:ln w="12700">
+                <a:noFill/>
+              </a:ln>
+            </p:spPr>
+            <p:style>
+              <a:lnRef idx="2">
+                <a:schemeClr val="accent1">
+                  <a:shade val="50000"/>
+                </a:schemeClr>
+              </a:lnRef>
+              <a:fillRef idx="1">
+                <a:schemeClr val="accent1"/>
+              </a:fillRef>
+              <a:effectRef idx="0">
+                <a:schemeClr val="accent1"/>
+              </a:effectRef>
+              <a:fontRef idx="minor">
+                <a:schemeClr val="lt1"/>
+              </a:fontRef>
+            </p:style>
+            <p:txBody>
+              <a:bodyPr lIns="0" tIns="0" rIns="0" bIns="0" rtlCol="0" anchor="ctr" anchorCtr="1"/>
+              <a:lstStyle/>
+              <a:p>
+                <a:pPr lvl="0" algn="ctr"/>
+                <a:r>
+                  <a:rPr lang="en-AU" sz="1200" dirty="0">
+                    <a:solidFill>
+                      <a:prstClr val="black"/>
+                    </a:solidFill>
+                    <a:latin typeface="Helvetica Neue"/>
+                  </a:rPr>
+                  <a:t>t &gt; 1000 ms</a:t>
+                </a:r>
+              </a:p>
+            </p:txBody>
+          </p:sp>
+        </p:grpSp>
+        <p:grpSp>
+          <p:nvGrpSpPr>
+            <p:cNvPr id="465" name="Group 464">
+              <a:extLst>
+                <a:ext uri="{FF2B5EF4-FFF2-40B4-BE49-F238E27FC236}">
+                  <a16:creationId xmlns:a16="http://schemas.microsoft.com/office/drawing/2014/main" id="{973ACA40-51D8-41E7-939E-BD07EB6A25D4}"/>
+                </a:ext>
+              </a:extLst>
+            </p:cNvPr>
+            <p:cNvGrpSpPr/>
+            <p:nvPr/>
+          </p:nvGrpSpPr>
+          <p:grpSpPr>
+            <a:xfrm>
+              <a:off x="2240041" y="3607569"/>
+              <a:ext cx="958994" cy="730034"/>
+              <a:chOff x="2291445" y="3607569"/>
+              <a:chExt cx="958994" cy="730034"/>
+            </a:xfrm>
+          </p:grpSpPr>
+          <p:grpSp>
+            <p:nvGrpSpPr>
+              <p:cNvPr id="464" name="Group 463">
+                <a:extLst>
+                  <a:ext uri="{FF2B5EF4-FFF2-40B4-BE49-F238E27FC236}">
+                    <a16:creationId xmlns:a16="http://schemas.microsoft.com/office/drawing/2014/main" id="{787C506D-BF48-4BD9-9A30-72C04A7BA9D1}"/>
+                  </a:ext>
+                </a:extLst>
+              </p:cNvPr>
+              <p:cNvGrpSpPr/>
+              <p:nvPr/>
+            </p:nvGrpSpPr>
+            <p:grpSpPr>
+              <a:xfrm>
+                <a:off x="2291445" y="3726306"/>
+                <a:ext cx="958994" cy="112486"/>
+                <a:chOff x="2291445" y="3726306"/>
+                <a:chExt cx="958994" cy="112486"/>
+              </a:xfrm>
+            </p:grpSpPr>
+            <p:sp>
+              <p:nvSpPr>
+                <p:cNvPr id="456" name="Rectangle 455">
+                  <a:extLst>
+                    <a:ext uri="{FF2B5EF4-FFF2-40B4-BE49-F238E27FC236}">
+                      <a16:creationId xmlns:a16="http://schemas.microsoft.com/office/drawing/2014/main" id="{E5FA85E6-6CB6-47EC-84C3-4971835CF711}"/>
+                    </a:ext>
+                  </a:extLst>
+                </p:cNvPr>
+                <p:cNvSpPr/>
+                <p:nvPr/>
+              </p:nvSpPr>
+              <p:spPr>
+                <a:xfrm>
+                  <a:off x="3137953" y="3726306"/>
+                  <a:ext cx="112486" cy="112486"/>
+                </a:xfrm>
+                <a:prstGeom prst="rect">
+                  <a:avLst/>
+                </a:prstGeom>
+              </p:spPr>
+              <p:style>
+                <a:lnRef idx="2">
+                  <a:schemeClr val="accent1">
+                    <a:shade val="50000"/>
+                  </a:schemeClr>
+                </a:lnRef>
+                <a:fillRef idx="1">
+                  <a:schemeClr val="accent1"/>
+                </a:fillRef>
+                <a:effectRef idx="0">
+                  <a:schemeClr val="accent1"/>
+                </a:effectRef>
+                <a:fontRef idx="minor">
+                  <a:schemeClr val="lt1"/>
+                </a:fontRef>
+              </p:style>
+              <p:txBody>
+                <a:bodyPr rtlCol="0" anchor="ctr"/>
+                <a:lstStyle/>
+                <a:p>
+                  <a:pPr algn="ctr"/>
+                  <a:endParaRPr lang="en-AU"/>
+                </a:p>
+              </p:txBody>
+            </p:sp>
+            <p:sp>
+              <p:nvSpPr>
+                <p:cNvPr id="83" name="Rectangle 82">
+                  <a:extLst>
+                    <a:ext uri="{FF2B5EF4-FFF2-40B4-BE49-F238E27FC236}">
+                      <a16:creationId xmlns:a16="http://schemas.microsoft.com/office/drawing/2014/main" id="{974901DE-6E2D-4A1B-9B20-BA9DD8595B4E}"/>
+                    </a:ext>
+                  </a:extLst>
+                </p:cNvPr>
+                <p:cNvSpPr/>
+                <p:nvPr/>
+              </p:nvSpPr>
+              <p:spPr>
+                <a:xfrm>
+                  <a:off x="2291445" y="3726306"/>
+                  <a:ext cx="112486" cy="112486"/>
+                </a:xfrm>
+                <a:prstGeom prst="rect">
+                  <a:avLst/>
+                </a:prstGeom>
+              </p:spPr>
+              <p:style>
+                <a:lnRef idx="2">
+                  <a:schemeClr val="accent1">
+                    <a:shade val="50000"/>
+                  </a:schemeClr>
+                </a:lnRef>
+                <a:fillRef idx="1">
+                  <a:schemeClr val="accent1"/>
+                </a:fillRef>
+                <a:effectRef idx="0">
+                  <a:schemeClr val="accent1"/>
+                </a:effectRef>
+                <a:fontRef idx="minor">
+                  <a:schemeClr val="lt1"/>
+                </a:fontRef>
+              </p:style>
+              <p:txBody>
+                <a:bodyPr rtlCol="0" anchor="ctr"/>
+                <a:lstStyle/>
+                <a:p>
+                  <a:pPr algn="ctr"/>
+                  <a:endParaRPr lang="en-AU"/>
+                </a:p>
+              </p:txBody>
+            </p:sp>
+          </p:grpSp>
+          <p:sp>
+            <p:nvSpPr>
+              <p:cNvPr id="122" name="Flowchart: Process 121">
+                <a:extLst>
+                  <a:ext uri="{FF2B5EF4-FFF2-40B4-BE49-F238E27FC236}">
+                    <a16:creationId xmlns:a16="http://schemas.microsoft.com/office/drawing/2014/main" id="{EB940B7E-EFA3-4CAD-9002-0258175389C2}"/>
+                  </a:ext>
+                </a:extLst>
+              </p:cNvPr>
+              <p:cNvSpPr/>
+              <p:nvPr/>
+            </p:nvSpPr>
+            <p:spPr>
+              <a:xfrm>
+                <a:off x="2291445" y="3607569"/>
+                <a:ext cx="958994" cy="730034"/>
+              </a:xfrm>
+              <a:prstGeom prst="flowChartProcess">
+                <a:avLst/>
+              </a:prstGeom>
+              <a:ln w="12700"/>
+            </p:spPr>
+            <p:style>
+              <a:lnRef idx="2">
+                <a:schemeClr val="accent1"/>
+              </a:lnRef>
+              <a:fillRef idx="1">
+                <a:schemeClr val="lt1"/>
+              </a:fillRef>
+              <a:effectRef idx="0">
+                <a:schemeClr val="accent1"/>
+              </a:effectRef>
+              <a:fontRef idx="minor">
+                <a:schemeClr val="dk1"/>
+              </a:fontRef>
+            </p:style>
+            <p:txBody>
+              <a:bodyPr lIns="0" tIns="0" rIns="0" bIns="0" rtlCol="0" anchor="ctr" anchorCtr="1"/>
+              <a:lstStyle/>
+              <a:p>
+                <a:pPr lvl="0" algn="ctr"/>
+                <a:r>
+                  <a:rPr lang="en-AU" sz="1400" dirty="0">
+                    <a:solidFill>
+                      <a:schemeClr val="tx1"/>
+                    </a:solidFill>
+                    <a:latin typeface="Helvetica Neue"/>
+                  </a:rPr>
+                  <a:t>Transmit messages via DMA</a:t>
+                </a:r>
+              </a:p>
+            </p:txBody>
+          </p:sp>
+        </p:grpSp>
+        <p:grpSp>
+          <p:nvGrpSpPr>
+            <p:cNvPr id="449" name="Group 448">
+              <a:extLst>
+                <a:ext uri="{FF2B5EF4-FFF2-40B4-BE49-F238E27FC236}">
+                  <a16:creationId xmlns:a16="http://schemas.microsoft.com/office/drawing/2014/main" id="{E53E5C80-3447-4B8F-9CC0-972E5963CCB2}"/>
+                </a:ext>
+              </a:extLst>
+            </p:cNvPr>
+            <p:cNvGrpSpPr/>
+            <p:nvPr/>
+          </p:nvGrpSpPr>
+          <p:grpSpPr>
+            <a:xfrm>
+              <a:off x="0" y="3607569"/>
+              <a:ext cx="2105888" cy="349960"/>
+              <a:chOff x="0" y="3784608"/>
+              <a:chExt cx="2105888" cy="349960"/>
+            </a:xfrm>
+          </p:grpSpPr>
+          <p:sp>
+            <p:nvSpPr>
+              <p:cNvPr id="78" name="Flowchart: Process 77">
+                <a:extLst>
+                  <a:ext uri="{FF2B5EF4-FFF2-40B4-BE49-F238E27FC236}">
+                    <a16:creationId xmlns:a16="http://schemas.microsoft.com/office/drawing/2014/main" id="{A987F974-D922-4532-8200-6449E2B7EFAB}"/>
+                  </a:ext>
+                </a:extLst>
+              </p:cNvPr>
+              <p:cNvSpPr/>
+              <p:nvPr/>
+            </p:nvSpPr>
+            <p:spPr>
+              <a:xfrm>
+                <a:off x="1047488" y="3784608"/>
+                <a:ext cx="1058400" cy="349960"/>
+              </a:xfrm>
+              <a:prstGeom prst="flowChartProcess">
+                <a:avLst/>
+              </a:prstGeom>
+              <a:ln w="12700"/>
+            </p:spPr>
+            <p:style>
+              <a:lnRef idx="2">
+                <a:schemeClr val="accent1"/>
+              </a:lnRef>
+              <a:fillRef idx="1">
+                <a:schemeClr val="lt1"/>
+              </a:fillRef>
+              <a:effectRef idx="0">
+                <a:schemeClr val="accent1"/>
+              </a:effectRef>
+              <a:fontRef idx="minor">
+                <a:schemeClr val="dk1"/>
+              </a:fontRef>
+            </p:style>
+            <p:txBody>
+              <a:bodyPr lIns="0" tIns="0" rIns="0" bIns="0" rtlCol="0" anchor="ctr" anchorCtr="1"/>
+              <a:lstStyle/>
+              <a:p>
+                <a:pPr lvl="0" algn="ctr"/>
+                <a:r>
+                  <a:rPr lang="en-AU" sz="1400" dirty="0">
+                    <a:solidFill>
+                      <a:schemeClr val="tx1"/>
+                    </a:solidFill>
+                    <a:latin typeface="Helvetica Neue"/>
+                  </a:rPr>
+                  <a:t>Main</a:t>
+                </a:r>
+              </a:p>
+            </p:txBody>
+          </p:sp>
+          <p:grpSp>
+            <p:nvGrpSpPr>
+              <p:cNvPr id="87" name="Group 86">
+                <a:extLst>
+                  <a:ext uri="{FF2B5EF4-FFF2-40B4-BE49-F238E27FC236}">
+                    <a16:creationId xmlns:a16="http://schemas.microsoft.com/office/drawing/2014/main" id="{8FB6A650-9C3E-4AC5-9E2B-4A0899C4CB8F}"/>
+                  </a:ext>
+                </a:extLst>
+              </p:cNvPr>
+              <p:cNvGrpSpPr/>
+              <p:nvPr/>
+            </p:nvGrpSpPr>
+            <p:grpSpPr>
+              <a:xfrm>
+                <a:off x="0" y="3784608"/>
+                <a:ext cx="865853" cy="349200"/>
+                <a:chOff x="2192510" y="4253374"/>
+                <a:chExt cx="1085518" cy="556623"/>
+              </a:xfrm>
+            </p:grpSpPr>
+            <p:sp>
+              <p:nvSpPr>
+                <p:cNvPr id="7" name="Flowchart: Data 6">
+                  <a:extLst>
+                    <a:ext uri="{FF2B5EF4-FFF2-40B4-BE49-F238E27FC236}">
+                      <a16:creationId xmlns:a16="http://schemas.microsoft.com/office/drawing/2014/main" id="{83F737D4-35B5-4A8C-9E90-354EDC1DF855}"/>
+                    </a:ext>
+                  </a:extLst>
+                </p:cNvPr>
+                <p:cNvSpPr/>
+                <p:nvPr/>
+              </p:nvSpPr>
+              <p:spPr>
+                <a:xfrm>
+                  <a:off x="2192510" y="4253374"/>
+                  <a:ext cx="1085518" cy="556623"/>
+                </a:xfrm>
+                <a:prstGeom prst="flowChartInputOutput">
+                  <a:avLst/>
+                </a:prstGeom>
+                <a:ln w="12700"/>
+              </p:spPr>
+              <p:style>
+                <a:lnRef idx="2">
+                  <a:schemeClr val="accent6"/>
+                </a:lnRef>
+                <a:fillRef idx="1">
+                  <a:schemeClr val="lt1"/>
+                </a:fillRef>
+                <a:effectRef idx="0">
+                  <a:schemeClr val="accent6"/>
+                </a:effectRef>
+                <a:fontRef idx="minor">
+                  <a:schemeClr val="dk1"/>
+                </a:fontRef>
+              </p:style>
+              <p:txBody>
+                <a:bodyPr lIns="0" tIns="0" rIns="0" bIns="0" rtlCol="0" anchor="ctr" anchorCtr="1"/>
+                <a:lstStyle/>
+                <a:p>
+                  <a:pPr algn="ctr"/>
+                  <a:endParaRPr lang="en-AU" sz="1400" dirty="0">
+                    <a:solidFill>
+                      <a:schemeClr val="tx1"/>
+                    </a:solidFill>
+                    <a:latin typeface="Helvetica Neue"/>
+                  </a:endParaRPr>
+                </a:p>
+              </p:txBody>
+            </p:sp>
+            <p:sp>
+              <p:nvSpPr>
+                <p:cNvPr id="123" name="Rectangle 122">
+                  <a:extLst>
+                    <a:ext uri="{FF2B5EF4-FFF2-40B4-BE49-F238E27FC236}">
+                      <a16:creationId xmlns:a16="http://schemas.microsoft.com/office/drawing/2014/main" id="{9649B393-D983-4840-B48B-2CE42606683C}"/>
+                    </a:ext>
+                  </a:extLst>
+                </p:cNvPr>
+                <p:cNvSpPr/>
+                <p:nvPr/>
+              </p:nvSpPr>
+              <p:spPr>
+                <a:xfrm>
+                  <a:off x="2253388" y="4289084"/>
+                  <a:ext cx="963763" cy="485202"/>
+                </a:xfrm>
+                <a:prstGeom prst="rect">
+                  <a:avLst/>
+                </a:prstGeom>
+                <a:noFill/>
+                <a:ln w="12700">
+                  <a:noFill/>
+                </a:ln>
+              </p:spPr>
+              <p:style>
+                <a:lnRef idx="2">
+                  <a:schemeClr val="accent1">
+                    <a:shade val="50000"/>
+                  </a:schemeClr>
+                </a:lnRef>
+                <a:fillRef idx="1">
+                  <a:schemeClr val="accent1"/>
+                </a:fillRef>
+                <a:effectRef idx="0">
+                  <a:schemeClr val="accent1"/>
+                </a:effectRef>
+                <a:fontRef idx="minor">
+                  <a:schemeClr val="lt1"/>
+                </a:fontRef>
+              </p:style>
+              <p:txBody>
+                <a:bodyPr lIns="0" tIns="0" rIns="0" bIns="0" rtlCol="0" anchor="ctr" anchorCtr="1"/>
+                <a:lstStyle/>
+                <a:p>
+                  <a:pPr algn="ctr"/>
+                  <a:r>
+                    <a:rPr lang="en-AU" sz="1400" dirty="0">
+                      <a:solidFill>
+                        <a:schemeClr val="tx1"/>
+                      </a:solidFill>
+                      <a:latin typeface="Helvetica Neue"/>
+                    </a:rPr>
+                    <a:t>ADC A-F</a:t>
+                  </a:r>
+                </a:p>
+              </p:txBody>
+            </p:sp>
+          </p:grpSp>
+        </p:grpSp>
+        <p:sp>
+          <p:nvSpPr>
+            <p:cNvPr id="79" name="Flowchart: Process 78">
+              <a:extLst>
+                <a:ext uri="{FF2B5EF4-FFF2-40B4-BE49-F238E27FC236}">
+                  <a16:creationId xmlns:a16="http://schemas.microsoft.com/office/drawing/2014/main" id="{960B994A-5B14-4251-8159-0FD4158513FE}"/>
+                </a:ext>
+              </a:extLst>
+            </p:cNvPr>
+            <p:cNvSpPr/>
+            <p:nvPr/>
+          </p:nvSpPr>
+          <p:spPr>
+            <a:xfrm>
+              <a:off x="1048414" y="4797002"/>
+              <a:ext cx="1056548" cy="475200"/>
+            </a:xfrm>
+            <a:prstGeom prst="flowChartProcess">
+              <a:avLst/>
+            </a:prstGeom>
+            <a:ln w="12700"/>
+          </p:spPr>
+          <p:style>
+            <a:lnRef idx="2">
+              <a:schemeClr val="accent1"/>
+            </a:lnRef>
+            <a:fillRef idx="1">
+              <a:schemeClr val="lt1"/>
+            </a:fillRef>
+            <a:effectRef idx="0">
+              <a:schemeClr val="accent1"/>
+            </a:effectRef>
+            <a:fontRef idx="minor">
+              <a:schemeClr val="dk1"/>
+            </a:fontRef>
+          </p:style>
+          <p:txBody>
+            <a:bodyPr lIns="0" tIns="0" rIns="0" bIns="0" rtlCol="0" anchor="ctr" anchorCtr="1"/>
+            <a:lstStyle/>
+            <a:p>
+              <a:pPr lvl="0" algn="ctr"/>
+              <a:r>
+                <a:rPr lang="en-AU" sz="1400" dirty="0">
                   <a:solidFill>
                     <a:schemeClr val="tx1"/>
                   </a:solidFill>
                   <a:latin typeface="Helvetica Neue"/>
                 </a:rPr>
-                <a:t>ADC A-F</a:t>
+                <a:t>Store Angle Messages</a:t>
               </a:r>
             </a:p>
           </p:txBody>
         </p:sp>
+        <p:sp>
+          <p:nvSpPr>
+            <p:cNvPr id="128" name="Flowchart: Internal Storage 127">
+              <a:extLst>
+                <a:ext uri="{FF2B5EF4-FFF2-40B4-BE49-F238E27FC236}">
+                  <a16:creationId xmlns:a16="http://schemas.microsoft.com/office/drawing/2014/main" id="{E5F47D1A-E749-4D93-9DD8-6C3B43776F66}"/>
+                </a:ext>
+              </a:extLst>
+            </p:cNvPr>
+            <p:cNvSpPr/>
+            <p:nvPr/>
+          </p:nvSpPr>
+          <p:spPr>
+            <a:xfrm>
+              <a:off x="2291445" y="4797001"/>
+              <a:ext cx="958994" cy="475200"/>
+            </a:xfrm>
+            <a:prstGeom prst="flowChartInternalStorage">
+              <a:avLst/>
+            </a:prstGeom>
+            <a:ln w="12700"/>
+          </p:spPr>
+          <p:style>
+            <a:lnRef idx="2">
+              <a:schemeClr val="accent4"/>
+            </a:lnRef>
+            <a:fillRef idx="1">
+              <a:schemeClr val="lt1"/>
+            </a:fillRef>
+            <a:effectRef idx="0">
+              <a:schemeClr val="accent4"/>
+            </a:effectRef>
+            <a:fontRef idx="minor">
+              <a:schemeClr val="dk1"/>
+            </a:fontRef>
+          </p:style>
+          <p:txBody>
+            <a:bodyPr lIns="0" tIns="0" rIns="0" bIns="0" rtlCol="0" anchor="ctr" anchorCtr="1"/>
+            <a:lstStyle/>
+            <a:p>
+              <a:pPr lvl="0" algn="ctr"/>
+              <a:r>
+                <a:rPr lang="en-AU" sz="1400" dirty="0">
+                  <a:solidFill>
+                    <a:schemeClr val="tx1"/>
+                  </a:solidFill>
+                  <a:latin typeface="Helvetica Neue"/>
+                </a:rPr>
+                <a:t>UART Messages</a:t>
+              </a:r>
+            </a:p>
+          </p:txBody>
+        </p:sp>
+        <p:grpSp>
+          <p:nvGrpSpPr>
+            <p:cNvPr id="451" name="Group 450">
+              <a:extLst>
+                <a:ext uri="{FF2B5EF4-FFF2-40B4-BE49-F238E27FC236}">
+                  <a16:creationId xmlns:a16="http://schemas.microsoft.com/office/drawing/2014/main" id="{C2200EA4-C21E-487B-9216-7D3E23117B4A}"/>
+                </a:ext>
+              </a:extLst>
+            </p:cNvPr>
+            <p:cNvGrpSpPr/>
+            <p:nvPr/>
+          </p:nvGrpSpPr>
+          <p:grpSpPr>
+            <a:xfrm>
+              <a:off x="-22489" y="6991975"/>
+              <a:ext cx="2128377" cy="476354"/>
+              <a:chOff x="-22489" y="6991975"/>
+              <a:chExt cx="2128377" cy="476354"/>
+            </a:xfrm>
+          </p:grpSpPr>
+          <p:sp>
+            <p:nvSpPr>
+              <p:cNvPr id="5" name="Flowchart: Process 4">
+                <a:extLst>
+                  <a:ext uri="{FF2B5EF4-FFF2-40B4-BE49-F238E27FC236}">
+                    <a16:creationId xmlns:a16="http://schemas.microsoft.com/office/drawing/2014/main" id="{CD49D14D-19E7-47B3-880F-6A61ACFC20BE}"/>
+                  </a:ext>
+                </a:extLst>
+              </p:cNvPr>
+              <p:cNvSpPr/>
+              <p:nvPr/>
+            </p:nvSpPr>
+            <p:spPr>
+              <a:xfrm>
+                <a:off x="1047488" y="6993288"/>
+                <a:ext cx="1058400" cy="474946"/>
+              </a:xfrm>
+              <a:prstGeom prst="flowChartProcess">
+                <a:avLst/>
+              </a:prstGeom>
+              <a:ln w="12700"/>
+            </p:spPr>
+            <p:style>
+              <a:lnRef idx="2">
+                <a:schemeClr val="accent1"/>
+              </a:lnRef>
+              <a:fillRef idx="1">
+                <a:schemeClr val="lt1"/>
+              </a:fillRef>
+              <a:effectRef idx="0">
+                <a:schemeClr val="accent1"/>
+              </a:effectRef>
+              <a:fontRef idx="minor">
+                <a:schemeClr val="dk1"/>
+              </a:fontRef>
+            </p:style>
+            <p:txBody>
+              <a:bodyPr lIns="0" tIns="0" rIns="0" bIns="0" rtlCol="0" anchor="ctr" anchorCtr="1"/>
+              <a:lstStyle/>
+              <a:p>
+                <a:pPr lvl="0" algn="ctr"/>
+                <a:r>
+                  <a:rPr lang="en-AU" sz="1400" dirty="0">
+                    <a:solidFill>
+                      <a:schemeClr val="tx1"/>
+                    </a:solidFill>
+                    <a:latin typeface="Helvetica Neue"/>
+                  </a:rPr>
+                  <a:t>Store Torque Messages</a:t>
+                </a:r>
+              </a:p>
+            </p:txBody>
+          </p:sp>
+          <p:sp>
+            <p:nvSpPr>
+              <p:cNvPr id="185" name="Flowchart: Internal Storage 184">
+                <a:extLst>
+                  <a:ext uri="{FF2B5EF4-FFF2-40B4-BE49-F238E27FC236}">
+                    <a16:creationId xmlns:a16="http://schemas.microsoft.com/office/drawing/2014/main" id="{780544C4-F9AF-474C-805C-3A40904DA6C4}"/>
+                  </a:ext>
+                </a:extLst>
+              </p:cNvPr>
+              <p:cNvSpPr/>
+              <p:nvPr/>
+            </p:nvSpPr>
+            <p:spPr>
+              <a:xfrm>
+                <a:off x="-22489" y="6991975"/>
+                <a:ext cx="888342" cy="476354"/>
+              </a:xfrm>
+              <a:prstGeom prst="flowChartInternalStorage">
+                <a:avLst/>
+              </a:prstGeom>
+              <a:ln w="12700"/>
+            </p:spPr>
+            <p:style>
+              <a:lnRef idx="2">
+                <a:schemeClr val="accent4"/>
+              </a:lnRef>
+              <a:fillRef idx="1">
+                <a:schemeClr val="lt1"/>
+              </a:fillRef>
+              <a:effectRef idx="0">
+                <a:schemeClr val="accent4"/>
+              </a:effectRef>
+              <a:fontRef idx="minor">
+                <a:schemeClr val="dk1"/>
+              </a:fontRef>
+            </p:style>
+            <p:txBody>
+              <a:bodyPr lIns="0" tIns="0" rIns="0" bIns="0" rtlCol="0" anchor="ctr" anchorCtr="1"/>
+              <a:lstStyle/>
+              <a:p>
+                <a:pPr lvl="0" algn="ctr"/>
+                <a:r>
+                  <a:rPr lang="en-AU" sz="1400" dirty="0">
+                    <a:solidFill>
+                      <a:schemeClr val="tx1"/>
+                    </a:solidFill>
+                    <a:latin typeface="Helvetica Neue"/>
+                  </a:rPr>
+                  <a:t>Torque Data</a:t>
+                </a:r>
+              </a:p>
+            </p:txBody>
+          </p:sp>
+        </p:grpSp>
+        <p:cxnSp>
+          <p:nvCxnSpPr>
+            <p:cNvPr id="323" name="Straight Arrow Connector 322">
+              <a:extLst>
+                <a:ext uri="{FF2B5EF4-FFF2-40B4-BE49-F238E27FC236}">
+                  <a16:creationId xmlns:a16="http://schemas.microsoft.com/office/drawing/2014/main" id="{B20CE5DA-9A8A-4471-8011-B742BB1FFDB6}"/>
+                </a:ext>
+              </a:extLst>
+            </p:cNvPr>
+            <p:cNvCxnSpPr>
+              <a:cxnSpLocks/>
+              <a:stCxn id="128" idx="0"/>
+              <a:endCxn id="470" idx="2"/>
+            </p:cNvCxnSpPr>
+            <p:nvPr/>
+          </p:nvCxnSpPr>
+          <p:spPr>
+            <a:xfrm flipV="1">
+              <a:off x="2770942" y="4337603"/>
+              <a:ext cx="0" cy="459398"/>
+            </a:xfrm>
+            <a:prstGeom prst="straightConnector1">
+              <a:avLst/>
+            </a:prstGeom>
+            <a:ln w="12700">
+              <a:solidFill>
+                <a:schemeClr val="tx1"/>
+              </a:solidFill>
+              <a:prstDash val="sysDot"/>
+              <a:tailEnd type="triangle"/>
+            </a:ln>
+          </p:spPr>
+          <p:style>
+            <a:lnRef idx="1">
+              <a:schemeClr val="accent1"/>
+            </a:lnRef>
+            <a:fillRef idx="0">
+              <a:schemeClr val="accent1"/>
+            </a:fillRef>
+            <a:effectRef idx="0">
+              <a:schemeClr val="accent1"/>
+            </a:effectRef>
+            <a:fontRef idx="minor">
+              <a:schemeClr val="tx1"/>
+            </a:fontRef>
+          </p:style>
+        </p:cxnSp>
+        <p:cxnSp>
+          <p:nvCxnSpPr>
+            <p:cNvPr id="332" name="Connector: Elbow 331">
+              <a:extLst>
+                <a:ext uri="{FF2B5EF4-FFF2-40B4-BE49-F238E27FC236}">
+                  <a16:creationId xmlns:a16="http://schemas.microsoft.com/office/drawing/2014/main" id="{F5C270E1-D3B9-4230-B28A-94B39421DF75}"/>
+                </a:ext>
+              </a:extLst>
+            </p:cNvPr>
+            <p:cNvCxnSpPr>
+              <a:cxnSpLocks/>
+              <a:stCxn id="7" idx="4"/>
+              <a:endCxn id="327" idx="1"/>
+            </p:cNvCxnSpPr>
+            <p:nvPr/>
+          </p:nvCxnSpPr>
+          <p:spPr>
+            <a:xfrm rot="16200000" flipH="1">
+              <a:off x="573892" y="3815803"/>
+              <a:ext cx="332630" cy="614561"/>
+            </a:xfrm>
+            <a:prstGeom prst="bentConnector2">
+              <a:avLst/>
+            </a:prstGeom>
+            <a:ln w="12700">
+              <a:solidFill>
+                <a:schemeClr val="tx1"/>
+              </a:solidFill>
+              <a:prstDash val="sysDot"/>
+              <a:tailEnd type="triangle"/>
+            </a:ln>
+          </p:spPr>
+          <p:style>
+            <a:lnRef idx="1">
+              <a:schemeClr val="accent1"/>
+            </a:lnRef>
+            <a:fillRef idx="0">
+              <a:schemeClr val="accent1"/>
+            </a:fillRef>
+            <a:effectRef idx="0">
+              <a:schemeClr val="accent1"/>
+            </a:effectRef>
+            <a:fontRef idx="minor">
+              <a:schemeClr val="tx1"/>
+            </a:fontRef>
+          </p:style>
+        </p:cxnSp>
+        <p:cxnSp>
+          <p:nvCxnSpPr>
+            <p:cNvPr id="338" name="Connector: Elbow 337">
+              <a:extLst>
+                <a:ext uri="{FF2B5EF4-FFF2-40B4-BE49-F238E27FC236}">
+                  <a16:creationId xmlns:a16="http://schemas.microsoft.com/office/drawing/2014/main" id="{DA09B882-49DF-44E8-B400-13633A342593}"/>
+                </a:ext>
+              </a:extLst>
+            </p:cNvPr>
+            <p:cNvCxnSpPr>
+              <a:stCxn id="198" idx="1"/>
+              <a:endCxn id="258" idx="0"/>
+            </p:cNvCxnSpPr>
+            <p:nvPr/>
+          </p:nvCxnSpPr>
+          <p:spPr>
+            <a:xfrm rot="10800000" flipV="1">
+              <a:off x="432930" y="4465131"/>
+              <a:ext cx="614558" cy="454583"/>
+            </a:xfrm>
+            <a:prstGeom prst="bentConnector2">
+              <a:avLst/>
+            </a:prstGeom>
+            <a:ln w="12700">
+              <a:solidFill>
+                <a:schemeClr val="tx1"/>
+              </a:solidFill>
+              <a:prstDash val="sysDot"/>
+              <a:tailEnd type="triangle"/>
+            </a:ln>
+          </p:spPr>
+          <p:style>
+            <a:lnRef idx="1">
+              <a:schemeClr val="accent1"/>
+            </a:lnRef>
+            <a:fillRef idx="0">
+              <a:schemeClr val="accent1"/>
+            </a:fillRef>
+            <a:effectRef idx="0">
+              <a:schemeClr val="accent1"/>
+            </a:effectRef>
+            <a:fontRef idx="minor">
+              <a:schemeClr val="tx1"/>
+            </a:fontRef>
+          </p:style>
+        </p:cxnSp>
+        <p:cxnSp>
+          <p:nvCxnSpPr>
+            <p:cNvPr id="340" name="Connector: Elbow 339">
+              <a:extLst>
+                <a:ext uri="{FF2B5EF4-FFF2-40B4-BE49-F238E27FC236}">
+                  <a16:creationId xmlns:a16="http://schemas.microsoft.com/office/drawing/2014/main" id="{878FF9C2-367F-4382-A8CD-AC8F7662F439}"/>
+                </a:ext>
+              </a:extLst>
+            </p:cNvPr>
+            <p:cNvCxnSpPr>
+              <a:stCxn id="258" idx="2"/>
+              <a:endCxn id="208" idx="1"/>
+            </p:cNvCxnSpPr>
+            <p:nvPr/>
+          </p:nvCxnSpPr>
+          <p:spPr>
+            <a:xfrm rot="16200000" flipH="1">
+              <a:off x="352613" y="5830275"/>
+              <a:ext cx="775192" cy="614558"/>
+            </a:xfrm>
+            <a:prstGeom prst="bentConnector2">
+              <a:avLst/>
+            </a:prstGeom>
+            <a:ln w="12700">
+              <a:solidFill>
+                <a:schemeClr val="tx1"/>
+              </a:solidFill>
+              <a:prstDash val="sysDot"/>
+              <a:tailEnd type="triangle"/>
+            </a:ln>
+          </p:spPr>
+          <p:style>
+            <a:lnRef idx="1">
+              <a:schemeClr val="accent1"/>
+            </a:lnRef>
+            <a:fillRef idx="0">
+              <a:schemeClr val="accent1"/>
+            </a:fillRef>
+            <a:effectRef idx="0">
+              <a:schemeClr val="accent1"/>
+            </a:effectRef>
+            <a:fontRef idx="minor">
+              <a:schemeClr val="tx1"/>
+            </a:fontRef>
+          </p:style>
+        </p:cxnSp>
+        <p:cxnSp>
+          <p:nvCxnSpPr>
+            <p:cNvPr id="342" name="Connector: Elbow 341">
+              <a:extLst>
+                <a:ext uri="{FF2B5EF4-FFF2-40B4-BE49-F238E27FC236}">
+                  <a16:creationId xmlns:a16="http://schemas.microsoft.com/office/drawing/2014/main" id="{593EE6D6-2275-4EB7-9257-44103467999B}"/>
+                </a:ext>
+              </a:extLst>
+            </p:cNvPr>
+            <p:cNvCxnSpPr>
+              <a:cxnSpLocks/>
+              <a:stCxn id="209" idx="1"/>
+              <a:endCxn id="185" idx="0"/>
+            </p:cNvCxnSpPr>
+            <p:nvPr/>
+          </p:nvCxnSpPr>
+          <p:spPr>
+            <a:xfrm rot="10800000" flipV="1">
+              <a:off x="421682" y="6685597"/>
+              <a:ext cx="625806" cy="306378"/>
+            </a:xfrm>
+            <a:prstGeom prst="bentConnector2">
+              <a:avLst/>
+            </a:prstGeom>
+            <a:ln w="12700">
+              <a:solidFill>
+                <a:schemeClr val="tx1"/>
+              </a:solidFill>
+              <a:prstDash val="sysDot"/>
+              <a:tailEnd type="triangle"/>
+            </a:ln>
+          </p:spPr>
+          <p:style>
+            <a:lnRef idx="1">
+              <a:schemeClr val="accent1"/>
+            </a:lnRef>
+            <a:fillRef idx="0">
+              <a:schemeClr val="accent1"/>
+            </a:fillRef>
+            <a:effectRef idx="0">
+              <a:schemeClr val="accent1"/>
+            </a:effectRef>
+            <a:fontRef idx="minor">
+              <a:schemeClr val="tx1"/>
+            </a:fontRef>
+          </p:style>
+        </p:cxnSp>
+        <p:cxnSp>
+          <p:nvCxnSpPr>
+            <p:cNvPr id="84" name="Straight Arrow Connector 83">
+              <a:extLst>
+                <a:ext uri="{FF2B5EF4-FFF2-40B4-BE49-F238E27FC236}">
+                  <a16:creationId xmlns:a16="http://schemas.microsoft.com/office/drawing/2014/main" id="{CD84E47B-C6CE-4026-A44D-63FD40DE18F3}"/>
+                </a:ext>
+              </a:extLst>
+            </p:cNvPr>
+            <p:cNvCxnSpPr>
+              <a:cxnSpLocks/>
+              <a:stCxn id="83" idx="1"/>
+              <a:endCxn id="78" idx="3"/>
+            </p:cNvCxnSpPr>
+            <p:nvPr/>
+          </p:nvCxnSpPr>
+          <p:spPr>
+            <a:xfrm flipH="1">
+              <a:off x="2105888" y="3782549"/>
+              <a:ext cx="134153" cy="0"/>
+            </a:xfrm>
+            <a:prstGeom prst="straightConnector1">
+              <a:avLst/>
+            </a:prstGeom>
+            <a:ln w="12700">
+              <a:solidFill>
+                <a:schemeClr val="tx1"/>
+              </a:solidFill>
+              <a:tailEnd type="triangle"/>
+            </a:ln>
+          </p:spPr>
+          <p:style>
+            <a:lnRef idx="1">
+              <a:schemeClr val="accent1"/>
+            </a:lnRef>
+            <a:fillRef idx="0">
+              <a:schemeClr val="accent1"/>
+            </a:fillRef>
+            <a:effectRef idx="0">
+              <a:schemeClr val="accent1"/>
+            </a:effectRef>
+            <a:fontRef idx="minor">
+              <a:schemeClr val="tx1"/>
+            </a:fontRef>
+          </p:style>
+        </p:cxnSp>
       </p:grpSp>
-      <p:sp>
-        <p:nvSpPr>
-          <p:cNvPr id="128" name="Flowchart: Internal Storage 127">
-            <a:extLst>
-              <a:ext uri="{FF2B5EF4-FFF2-40B4-BE49-F238E27FC236}">
-                <a16:creationId xmlns:a16="http://schemas.microsoft.com/office/drawing/2014/main" id="{E5F47D1A-E749-4D93-9DD8-6C3B43776F66}"/>
-              </a:ext>
-            </a:extLst>
-          </p:cNvPr>
-          <p:cNvSpPr/>
-          <p:nvPr/>
-        </p:nvSpPr>
-        <p:spPr>
-          <a:xfrm>
-            <a:off x="2291445" y="4919715"/>
-            <a:ext cx="958994" cy="409727"/>
-          </a:xfrm>
-          <a:prstGeom prst="flowChartInternalStorage">
-            <a:avLst/>
-          </a:prstGeom>
-          <a:ln w="28575"/>
-        </p:spPr>
-        <p:style>
-          <a:lnRef idx="2">
-            <a:schemeClr val="accent4"/>
-          </a:lnRef>
-          <a:fillRef idx="1">
-            <a:schemeClr val="lt1"/>
-          </a:fillRef>
-          <a:effectRef idx="0">
-            <a:schemeClr val="accent4"/>
-          </a:effectRef>
-          <a:fontRef idx="minor">
-            <a:schemeClr val="dk1"/>
-          </a:fontRef>
-        </p:style>
-        <p:txBody>
-          <a:bodyPr lIns="0" tIns="0" rIns="0" bIns="0" rtlCol="0" anchor="ctr"/>
-          <a:lstStyle/>
-          <a:p>
-            <a:pPr lvl="0" algn="ctr"/>
-            <a:r>
-              <a:rPr lang="en-AU" sz="1200" dirty="0">
-                <a:solidFill>
-                  <a:schemeClr val="tx1"/>
-                </a:solidFill>
-                <a:latin typeface="Helvetica Neue"/>
-              </a:rPr>
-              <a:t>UART Messages</a:t>
-            </a:r>
-          </a:p>
-        </p:txBody>
-      </p:sp>
-      <p:sp>
-        <p:nvSpPr>
-          <p:cNvPr id="185" name="Flowchart: Internal Storage 184">
-            <a:extLst>
-              <a:ext uri="{FF2B5EF4-FFF2-40B4-BE49-F238E27FC236}">
-                <a16:creationId xmlns:a16="http://schemas.microsoft.com/office/drawing/2014/main" id="{780544C4-F9AF-474C-805C-3A40904DA6C4}"/>
-              </a:ext>
-            </a:extLst>
-          </p:cNvPr>
-          <p:cNvSpPr/>
-          <p:nvPr/>
-        </p:nvSpPr>
-        <p:spPr>
-          <a:xfrm>
-            <a:off x="-22489" y="7024343"/>
-            <a:ext cx="888342" cy="411617"/>
-          </a:xfrm>
-          <a:prstGeom prst="flowChartInternalStorage">
-            <a:avLst/>
-          </a:prstGeom>
-          <a:ln w="28575"/>
-        </p:spPr>
-        <p:style>
-          <a:lnRef idx="2">
-            <a:schemeClr val="accent4"/>
-          </a:lnRef>
-          <a:fillRef idx="1">
-            <a:schemeClr val="lt1"/>
-          </a:fillRef>
-          <a:effectRef idx="0">
-            <a:schemeClr val="accent4"/>
-          </a:effectRef>
-          <a:fontRef idx="minor">
-            <a:schemeClr val="dk1"/>
-          </a:fontRef>
-        </p:style>
-        <p:txBody>
-          <a:bodyPr lIns="0" tIns="0" rIns="0" bIns="0" rtlCol="0" anchor="ctr"/>
-          <a:lstStyle/>
-          <a:p>
-            <a:pPr lvl="0" algn="ctr"/>
-            <a:r>
-              <a:rPr lang="en-AU" sz="1200" dirty="0">
-                <a:solidFill>
-                  <a:schemeClr val="tx1"/>
-                </a:solidFill>
-                <a:latin typeface="Helvetica Neue"/>
-              </a:rPr>
-              <a:t>Torque Data</a:t>
-            </a:r>
-          </a:p>
-        </p:txBody>
-      </p:sp>
-      <p:cxnSp>
-        <p:nvCxnSpPr>
-          <p:cNvPr id="93" name="Connector: Elbow 92">
-            <a:extLst>
-              <a:ext uri="{FF2B5EF4-FFF2-40B4-BE49-F238E27FC236}">
-                <a16:creationId xmlns:a16="http://schemas.microsoft.com/office/drawing/2014/main" id="{B3DA2E41-A8C4-491A-B9FE-840BFB7A63D5}"/>
-              </a:ext>
-            </a:extLst>
-          </p:cNvPr>
-          <p:cNvCxnSpPr>
-            <a:cxnSpLocks/>
-            <a:stCxn id="5" idx="3"/>
-            <a:endCxn id="128" idx="2"/>
-          </p:cNvCxnSpPr>
-          <p:nvPr/>
-        </p:nvCxnSpPr>
-        <p:spPr>
-          <a:xfrm flipV="1">
-            <a:off x="2105888" y="5329442"/>
-            <a:ext cx="665054" cy="1901319"/>
-          </a:xfrm>
-          <a:prstGeom prst="bentConnector2">
-            <a:avLst/>
-          </a:prstGeom>
-          <a:ln w="28575">
-            <a:solidFill>
-              <a:schemeClr val="tx1"/>
-            </a:solidFill>
-            <a:prstDash val="sysDot"/>
-            <a:tailEnd type="triangle"/>
-          </a:ln>
-        </p:spPr>
-        <p:style>
-          <a:lnRef idx="1">
-            <a:schemeClr val="accent1"/>
-          </a:lnRef>
-          <a:fillRef idx="0">
-            <a:schemeClr val="accent1"/>
-          </a:fillRef>
-          <a:effectRef idx="0">
-            <a:schemeClr val="accent1"/>
-          </a:effectRef>
-          <a:fontRef idx="minor">
-            <a:schemeClr val="tx1"/>
-          </a:fontRef>
-        </p:style>
-      </p:cxnSp>
-      <p:cxnSp>
-        <p:nvCxnSpPr>
-          <p:cNvPr id="323" name="Straight Arrow Connector 322">
-            <a:extLst>
-              <a:ext uri="{FF2B5EF4-FFF2-40B4-BE49-F238E27FC236}">
-                <a16:creationId xmlns:a16="http://schemas.microsoft.com/office/drawing/2014/main" id="{B20CE5DA-9A8A-4471-8011-B742BB1FFDB6}"/>
-              </a:ext>
-            </a:extLst>
-          </p:cNvPr>
-          <p:cNvCxnSpPr>
-            <a:cxnSpLocks/>
-            <a:stCxn id="128" idx="0"/>
-            <a:endCxn id="122" idx="2"/>
-          </p:cNvCxnSpPr>
-          <p:nvPr/>
-        </p:nvCxnSpPr>
-        <p:spPr>
-          <a:xfrm flipV="1">
-            <a:off x="2770942" y="4106481"/>
-            <a:ext cx="0" cy="813234"/>
-          </a:xfrm>
-          <a:prstGeom prst="straightConnector1">
-            <a:avLst/>
-          </a:prstGeom>
-          <a:ln w="28575">
-            <a:solidFill>
-              <a:schemeClr val="tx1"/>
-            </a:solidFill>
-            <a:prstDash val="sysDot"/>
-            <a:tailEnd type="triangle"/>
-          </a:ln>
-        </p:spPr>
-        <p:style>
-          <a:lnRef idx="1">
-            <a:schemeClr val="accent1"/>
-          </a:lnRef>
-          <a:fillRef idx="0">
-            <a:schemeClr val="accent1"/>
-          </a:fillRef>
-          <a:effectRef idx="0">
-            <a:schemeClr val="accent1"/>
-          </a:effectRef>
-          <a:fontRef idx="minor">
-            <a:schemeClr val="tx1"/>
-          </a:fontRef>
-        </p:style>
-      </p:cxnSp>
-      <p:cxnSp>
-        <p:nvCxnSpPr>
-          <p:cNvPr id="332" name="Connector: Elbow 331">
-            <a:extLst>
-              <a:ext uri="{FF2B5EF4-FFF2-40B4-BE49-F238E27FC236}">
-                <a16:creationId xmlns:a16="http://schemas.microsoft.com/office/drawing/2014/main" id="{F5C270E1-D3B9-4230-B28A-94B39421DF75}"/>
-              </a:ext>
-            </a:extLst>
-          </p:cNvPr>
-          <p:cNvCxnSpPr>
-            <a:cxnSpLocks/>
-            <a:stCxn id="7" idx="4"/>
-            <a:endCxn id="327" idx="1"/>
-          </p:cNvCxnSpPr>
-          <p:nvPr/>
-        </p:nvCxnSpPr>
-        <p:spPr>
-          <a:xfrm rot="16200000" flipH="1">
-            <a:off x="695328" y="4099301"/>
-            <a:ext cx="89759" cy="614561"/>
-          </a:xfrm>
-          <a:prstGeom prst="bentConnector2">
-            <a:avLst/>
-          </a:prstGeom>
-          <a:ln w="28575">
-            <a:solidFill>
-              <a:schemeClr val="tx1"/>
-            </a:solidFill>
-            <a:prstDash val="sysDot"/>
-            <a:tailEnd type="triangle"/>
-          </a:ln>
-        </p:spPr>
-        <p:style>
-          <a:lnRef idx="1">
-            <a:schemeClr val="accent1"/>
-          </a:lnRef>
-          <a:fillRef idx="0">
-            <a:schemeClr val="accent1"/>
-          </a:fillRef>
-          <a:effectRef idx="0">
-            <a:schemeClr val="accent1"/>
-          </a:effectRef>
-          <a:fontRef idx="minor">
-            <a:schemeClr val="tx1"/>
-          </a:fontRef>
-        </p:style>
-      </p:cxnSp>
-      <p:cxnSp>
-        <p:nvCxnSpPr>
-          <p:cNvPr id="338" name="Connector: Elbow 337">
-            <a:extLst>
-              <a:ext uri="{FF2B5EF4-FFF2-40B4-BE49-F238E27FC236}">
-                <a16:creationId xmlns:a16="http://schemas.microsoft.com/office/drawing/2014/main" id="{DA09B882-49DF-44E8-B400-13633A342593}"/>
-              </a:ext>
-            </a:extLst>
-          </p:cNvPr>
-          <p:cNvCxnSpPr>
-            <a:stCxn id="198" idx="1"/>
-            <a:endCxn id="258" idx="0"/>
-          </p:cNvCxnSpPr>
-          <p:nvPr/>
-        </p:nvCxnSpPr>
-        <p:spPr>
-          <a:xfrm rot="10800000" flipV="1">
-            <a:off x="432930" y="4611909"/>
-            <a:ext cx="614558" cy="307806"/>
-          </a:xfrm>
-          <a:prstGeom prst="bentConnector2">
-            <a:avLst/>
-          </a:prstGeom>
-          <a:ln w="28575">
-            <a:solidFill>
-              <a:schemeClr val="tx1"/>
-            </a:solidFill>
-            <a:prstDash val="sysDot"/>
-            <a:tailEnd type="triangle"/>
-          </a:ln>
-        </p:spPr>
-        <p:style>
-          <a:lnRef idx="1">
-            <a:schemeClr val="accent1"/>
-          </a:lnRef>
-          <a:fillRef idx="0">
-            <a:schemeClr val="accent1"/>
-          </a:fillRef>
-          <a:effectRef idx="0">
-            <a:schemeClr val="accent1"/>
-          </a:effectRef>
-          <a:fontRef idx="minor">
-            <a:schemeClr val="tx1"/>
-          </a:fontRef>
-        </p:style>
-      </p:cxnSp>
-      <p:cxnSp>
-        <p:nvCxnSpPr>
-          <p:cNvPr id="340" name="Connector: Elbow 339">
-            <a:extLst>
-              <a:ext uri="{FF2B5EF4-FFF2-40B4-BE49-F238E27FC236}">
-                <a16:creationId xmlns:a16="http://schemas.microsoft.com/office/drawing/2014/main" id="{878FF9C2-367F-4382-A8CD-AC8F7662F439}"/>
-              </a:ext>
-            </a:extLst>
-          </p:cNvPr>
-          <p:cNvCxnSpPr>
-            <a:stCxn id="258" idx="2"/>
-            <a:endCxn id="208" idx="1"/>
-          </p:cNvCxnSpPr>
-          <p:nvPr/>
-        </p:nvCxnSpPr>
-        <p:spPr>
-          <a:xfrm rot="16200000" flipH="1">
-            <a:off x="352613" y="5830275"/>
-            <a:ext cx="775192" cy="614558"/>
-          </a:xfrm>
-          <a:prstGeom prst="bentConnector2">
-            <a:avLst/>
-          </a:prstGeom>
-          <a:ln w="28575">
-            <a:solidFill>
-              <a:schemeClr val="tx1"/>
-            </a:solidFill>
-            <a:prstDash val="sysDot"/>
-            <a:tailEnd type="triangle"/>
-          </a:ln>
-        </p:spPr>
-        <p:style>
-          <a:lnRef idx="1">
-            <a:schemeClr val="accent1"/>
-          </a:lnRef>
-          <a:fillRef idx="0">
-            <a:schemeClr val="accent1"/>
-          </a:fillRef>
-          <a:effectRef idx="0">
-            <a:schemeClr val="accent1"/>
-          </a:effectRef>
-          <a:fontRef idx="minor">
-            <a:schemeClr val="tx1"/>
-          </a:fontRef>
-        </p:style>
-      </p:cxnSp>
-      <p:cxnSp>
-        <p:nvCxnSpPr>
-          <p:cNvPr id="342" name="Connector: Elbow 341">
-            <a:extLst>
-              <a:ext uri="{FF2B5EF4-FFF2-40B4-BE49-F238E27FC236}">
-                <a16:creationId xmlns:a16="http://schemas.microsoft.com/office/drawing/2014/main" id="{593EE6D6-2275-4EB7-9257-44103467999B}"/>
-              </a:ext>
-            </a:extLst>
-          </p:cNvPr>
-          <p:cNvCxnSpPr>
-            <a:stCxn id="209" idx="1"/>
-            <a:endCxn id="185" idx="0"/>
-          </p:cNvCxnSpPr>
-          <p:nvPr/>
-        </p:nvCxnSpPr>
-        <p:spPr>
-          <a:xfrm rot="10800000" flipV="1">
-            <a:off x="421682" y="6685597"/>
-            <a:ext cx="625806" cy="338746"/>
-          </a:xfrm>
-          <a:prstGeom prst="bentConnector2">
-            <a:avLst/>
-          </a:prstGeom>
-          <a:ln w="28575">
-            <a:solidFill>
-              <a:schemeClr val="tx1"/>
-            </a:solidFill>
-            <a:prstDash val="sysDot"/>
-            <a:tailEnd type="triangle"/>
-          </a:ln>
-        </p:spPr>
-        <p:style>
-          <a:lnRef idx="1">
-            <a:schemeClr val="accent1"/>
-          </a:lnRef>
-          <a:fillRef idx="0">
-            <a:schemeClr val="accent1"/>
-          </a:fillRef>
-          <a:effectRef idx="0">
-            <a:schemeClr val="accent1"/>
-          </a:effectRef>
-          <a:fontRef idx="minor">
-            <a:schemeClr val="tx1"/>
-          </a:fontRef>
-        </p:style>
-      </p:cxnSp>
     </p:spTree>
     <p:extLst>
       <p:ext uri="{BB962C8B-B14F-4D97-AF65-F5344CB8AC3E}">
